--- a/Presentation/GenSamp SREE.pptx
+++ b/Presentation/GenSamp SREE.pptx
@@ -4,9 +4,13 @@
   <p:sldMasterIdLst>
     <p:sldMasterId id="2147483648" r:id="rId1"/>
   </p:sldMasterIdLst>
+  <p:notesMasterIdLst>
+    <p:notesMasterId r:id="rId5"/>
+  </p:notesMasterIdLst>
   <p:sldIdLst>
     <p:sldId id="256" r:id="rId2"/>
     <p:sldId id="257" r:id="rId3"/>
+    <p:sldId id="258" r:id="rId4"/>
   </p:sldIdLst>
   <p:sldSz cx="12192000" cy="6858000"/>
   <p:notesSz cx="6858000" cy="9144000"/>
@@ -105,7 +109,544 @@
       </a:defRPr>
     </a:lvl9pPr>
   </p:defaultTextStyle>
+  <p:extLst>
+    <p:ext uri="{EFAFB233-063F-42B5-8137-9DF3F51BA10A}">
+      <p15:sldGuideLst xmlns:p15="http://schemas.microsoft.com/office/powerpoint/2012/main"/>
+    </p:ext>
+  </p:extLst>
 </p:presentation>
+</file>
+
+<file path=ppt/notesMasters/notesMaster1.xml><?xml version="1.0" encoding="utf-8"?>
+<p:notesMaster xmlns:a="http://schemas.openxmlformats.org/drawingml/2006/main" xmlns:r="http://schemas.openxmlformats.org/officeDocument/2006/relationships" xmlns:p="http://schemas.openxmlformats.org/presentationml/2006/main">
+  <p:cSld>
+    <p:bg>
+      <p:bgRef idx="1001">
+        <a:schemeClr val="bg1"/>
+      </p:bgRef>
+    </p:bg>
+    <p:spTree>
+      <p:nvGrpSpPr>
+        <p:cNvPr id="1" name=""/>
+        <p:cNvGrpSpPr/>
+        <p:nvPr/>
+      </p:nvGrpSpPr>
+      <p:grpSpPr>
+        <a:xfrm>
+          <a:off x="0" y="0"/>
+          <a:ext cx="0" cy="0"/>
+          <a:chOff x="0" y="0"/>
+          <a:chExt cx="0" cy="0"/>
+        </a:xfrm>
+      </p:grpSpPr>
+      <p:sp>
+        <p:nvSpPr>
+          <p:cNvPr id="2" name="Header Placeholder 1"/>
+          <p:cNvSpPr>
+            <a:spLocks noGrp="1"/>
+          </p:cNvSpPr>
+          <p:nvPr>
+            <p:ph type="hdr" sz="quarter"/>
+          </p:nvPr>
+        </p:nvSpPr>
+        <p:spPr>
+          <a:xfrm>
+            <a:off x="0" y="0"/>
+            <a:ext cx="2971800" cy="458788"/>
+          </a:xfrm>
+          <a:prstGeom prst="rect">
+            <a:avLst/>
+          </a:prstGeom>
+        </p:spPr>
+        <p:txBody>
+          <a:bodyPr vert="horz" lIns="91440" tIns="45720" rIns="91440" bIns="45720" rtlCol="0"/>
+          <a:lstStyle>
+            <a:lvl1pPr algn="l">
+              <a:defRPr sz="1200"/>
+            </a:lvl1pPr>
+          </a:lstStyle>
+          <a:p>
+            <a:endParaRPr lang="en-US"/>
+          </a:p>
+        </p:txBody>
+      </p:sp>
+      <p:sp>
+        <p:nvSpPr>
+          <p:cNvPr id="3" name="Date Placeholder 2"/>
+          <p:cNvSpPr>
+            <a:spLocks noGrp="1"/>
+          </p:cNvSpPr>
+          <p:nvPr>
+            <p:ph type="dt" idx="1"/>
+          </p:nvPr>
+        </p:nvSpPr>
+        <p:spPr>
+          <a:xfrm>
+            <a:off x="3884613" y="0"/>
+            <a:ext cx="2971800" cy="458788"/>
+          </a:xfrm>
+          <a:prstGeom prst="rect">
+            <a:avLst/>
+          </a:prstGeom>
+        </p:spPr>
+        <p:txBody>
+          <a:bodyPr vert="horz" lIns="91440" tIns="45720" rIns="91440" bIns="45720" rtlCol="0"/>
+          <a:lstStyle>
+            <a:lvl1pPr algn="r">
+              <a:defRPr sz="1200"/>
+            </a:lvl1pPr>
+          </a:lstStyle>
+          <a:p>
+            <a:fld id="{AFBE4FCB-37C0-4161-ADBF-AA9B53CA277B}" type="datetimeFigureOut">
+              <a:rPr lang="en-US" smtClean="0"/>
+              <a:t>2/25/2019</a:t>
+            </a:fld>
+            <a:endParaRPr lang="en-US"/>
+          </a:p>
+        </p:txBody>
+      </p:sp>
+      <p:sp>
+        <p:nvSpPr>
+          <p:cNvPr id="4" name="Slide Image Placeholder 3"/>
+          <p:cNvSpPr>
+            <a:spLocks noGrp="1" noRot="1" noChangeAspect="1"/>
+          </p:cNvSpPr>
+          <p:nvPr>
+            <p:ph type="sldImg" idx="2"/>
+          </p:nvPr>
+        </p:nvSpPr>
+        <p:spPr>
+          <a:xfrm>
+            <a:off x="685800" y="1143000"/>
+            <a:ext cx="5486400" cy="3086100"/>
+          </a:xfrm>
+          <a:prstGeom prst="rect">
+            <a:avLst/>
+          </a:prstGeom>
+          <a:noFill/>
+          <a:ln w="12700">
+            <a:solidFill>
+              <a:prstClr val="black"/>
+            </a:solidFill>
+          </a:ln>
+        </p:spPr>
+        <p:txBody>
+          <a:bodyPr vert="horz" lIns="91440" tIns="45720" rIns="91440" bIns="45720" rtlCol="0" anchor="ctr"/>
+          <a:lstStyle/>
+          <a:p>
+            <a:endParaRPr lang="en-US"/>
+          </a:p>
+        </p:txBody>
+      </p:sp>
+      <p:sp>
+        <p:nvSpPr>
+          <p:cNvPr id="5" name="Notes Placeholder 4"/>
+          <p:cNvSpPr>
+            <a:spLocks noGrp="1"/>
+          </p:cNvSpPr>
+          <p:nvPr>
+            <p:ph type="body" sz="quarter" idx="3"/>
+          </p:nvPr>
+        </p:nvSpPr>
+        <p:spPr>
+          <a:xfrm>
+            <a:off x="685800" y="4400550"/>
+            <a:ext cx="5486400" cy="3600450"/>
+          </a:xfrm>
+          <a:prstGeom prst="rect">
+            <a:avLst/>
+          </a:prstGeom>
+        </p:spPr>
+        <p:txBody>
+          <a:bodyPr vert="horz" lIns="91440" tIns="45720" rIns="91440" bIns="45720" rtlCol="0"/>
+          <a:lstStyle/>
+          <a:p>
+            <a:pPr lvl="0"/>
+            <a:r>
+              <a:rPr lang="en-US"/>
+              <a:t>Edit Master text styles</a:t>
+            </a:r>
+          </a:p>
+          <a:p>
+            <a:pPr lvl="1"/>
+            <a:r>
+              <a:rPr lang="en-US"/>
+              <a:t>Second level</a:t>
+            </a:r>
+          </a:p>
+          <a:p>
+            <a:pPr lvl="2"/>
+            <a:r>
+              <a:rPr lang="en-US"/>
+              <a:t>Third level</a:t>
+            </a:r>
+          </a:p>
+          <a:p>
+            <a:pPr lvl="3"/>
+            <a:r>
+              <a:rPr lang="en-US"/>
+              <a:t>Fourth level</a:t>
+            </a:r>
+          </a:p>
+          <a:p>
+            <a:pPr lvl="4"/>
+            <a:r>
+              <a:rPr lang="en-US"/>
+              <a:t>Fifth level</a:t>
+            </a:r>
+          </a:p>
+        </p:txBody>
+      </p:sp>
+      <p:sp>
+        <p:nvSpPr>
+          <p:cNvPr id="6" name="Footer Placeholder 5"/>
+          <p:cNvSpPr>
+            <a:spLocks noGrp="1"/>
+          </p:cNvSpPr>
+          <p:nvPr>
+            <p:ph type="ftr" sz="quarter" idx="4"/>
+          </p:nvPr>
+        </p:nvSpPr>
+        <p:spPr>
+          <a:xfrm>
+            <a:off x="0" y="8685213"/>
+            <a:ext cx="2971800" cy="458787"/>
+          </a:xfrm>
+          <a:prstGeom prst="rect">
+            <a:avLst/>
+          </a:prstGeom>
+        </p:spPr>
+        <p:txBody>
+          <a:bodyPr vert="horz" lIns="91440" tIns="45720" rIns="91440" bIns="45720" rtlCol="0" anchor="b"/>
+          <a:lstStyle>
+            <a:lvl1pPr algn="l">
+              <a:defRPr sz="1200"/>
+            </a:lvl1pPr>
+          </a:lstStyle>
+          <a:p>
+            <a:endParaRPr lang="en-US"/>
+          </a:p>
+        </p:txBody>
+      </p:sp>
+      <p:sp>
+        <p:nvSpPr>
+          <p:cNvPr id="7" name="Slide Number Placeholder 6"/>
+          <p:cNvSpPr>
+            <a:spLocks noGrp="1"/>
+          </p:cNvSpPr>
+          <p:nvPr>
+            <p:ph type="sldNum" sz="quarter" idx="5"/>
+          </p:nvPr>
+        </p:nvSpPr>
+        <p:spPr>
+          <a:xfrm>
+            <a:off x="3884613" y="8685213"/>
+            <a:ext cx="2971800" cy="458787"/>
+          </a:xfrm>
+          <a:prstGeom prst="rect">
+            <a:avLst/>
+          </a:prstGeom>
+        </p:spPr>
+        <p:txBody>
+          <a:bodyPr vert="horz" lIns="91440" tIns="45720" rIns="91440" bIns="45720" rtlCol="0" anchor="b"/>
+          <a:lstStyle>
+            <a:lvl1pPr algn="r">
+              <a:defRPr sz="1200"/>
+            </a:lvl1pPr>
+          </a:lstStyle>
+          <a:p>
+            <a:fld id="{648A95C4-365F-497D-A176-C70E6A2CF8EA}" type="slidenum">
+              <a:rPr lang="en-US" smtClean="0"/>
+              <a:t>‹#›</a:t>
+            </a:fld>
+            <a:endParaRPr lang="en-US"/>
+          </a:p>
+        </p:txBody>
+      </p:sp>
+    </p:spTree>
+    <p:extLst>
+      <p:ext uri="{BB962C8B-B14F-4D97-AF65-F5344CB8AC3E}">
+        <p14:creationId xmlns:p14="http://schemas.microsoft.com/office/powerpoint/2010/main" val="2898636983"/>
+      </p:ext>
+    </p:extLst>
+  </p:cSld>
+  <p:clrMap bg1="lt1" tx1="dk1" bg2="lt2" tx2="dk2" accent1="accent1" accent2="accent2" accent3="accent3" accent4="accent4" accent5="accent5" accent6="accent6" hlink="hlink" folHlink="folHlink"/>
+  <p:notesStyle>
+    <a:lvl1pPr marL="0" algn="l" defTabSz="914400" rtl="0" eaLnBrk="1" latinLnBrk="0" hangingPunct="1">
+      <a:defRPr sz="1200" kern="1200">
+        <a:solidFill>
+          <a:schemeClr val="tx1"/>
+        </a:solidFill>
+        <a:latin typeface="+mn-lt"/>
+        <a:ea typeface="+mn-ea"/>
+        <a:cs typeface="+mn-cs"/>
+      </a:defRPr>
+    </a:lvl1pPr>
+    <a:lvl2pPr marL="457200" algn="l" defTabSz="914400" rtl="0" eaLnBrk="1" latinLnBrk="0" hangingPunct="1">
+      <a:defRPr sz="1200" kern="1200">
+        <a:solidFill>
+          <a:schemeClr val="tx1"/>
+        </a:solidFill>
+        <a:latin typeface="+mn-lt"/>
+        <a:ea typeface="+mn-ea"/>
+        <a:cs typeface="+mn-cs"/>
+      </a:defRPr>
+    </a:lvl2pPr>
+    <a:lvl3pPr marL="914400" algn="l" defTabSz="914400" rtl="0" eaLnBrk="1" latinLnBrk="0" hangingPunct="1">
+      <a:defRPr sz="1200" kern="1200">
+        <a:solidFill>
+          <a:schemeClr val="tx1"/>
+        </a:solidFill>
+        <a:latin typeface="+mn-lt"/>
+        <a:ea typeface="+mn-ea"/>
+        <a:cs typeface="+mn-cs"/>
+      </a:defRPr>
+    </a:lvl3pPr>
+    <a:lvl4pPr marL="1371600" algn="l" defTabSz="914400" rtl="0" eaLnBrk="1" latinLnBrk="0" hangingPunct="1">
+      <a:defRPr sz="1200" kern="1200">
+        <a:solidFill>
+          <a:schemeClr val="tx1"/>
+        </a:solidFill>
+        <a:latin typeface="+mn-lt"/>
+        <a:ea typeface="+mn-ea"/>
+        <a:cs typeface="+mn-cs"/>
+      </a:defRPr>
+    </a:lvl4pPr>
+    <a:lvl5pPr marL="1828800" algn="l" defTabSz="914400" rtl="0" eaLnBrk="1" latinLnBrk="0" hangingPunct="1">
+      <a:defRPr sz="1200" kern="1200">
+        <a:solidFill>
+          <a:schemeClr val="tx1"/>
+        </a:solidFill>
+        <a:latin typeface="+mn-lt"/>
+        <a:ea typeface="+mn-ea"/>
+        <a:cs typeface="+mn-cs"/>
+      </a:defRPr>
+    </a:lvl5pPr>
+    <a:lvl6pPr marL="2286000" algn="l" defTabSz="914400" rtl="0" eaLnBrk="1" latinLnBrk="0" hangingPunct="1">
+      <a:defRPr sz="1200" kern="1200">
+        <a:solidFill>
+          <a:schemeClr val="tx1"/>
+        </a:solidFill>
+        <a:latin typeface="+mn-lt"/>
+        <a:ea typeface="+mn-ea"/>
+        <a:cs typeface="+mn-cs"/>
+      </a:defRPr>
+    </a:lvl6pPr>
+    <a:lvl7pPr marL="2743200" algn="l" defTabSz="914400" rtl="0" eaLnBrk="1" latinLnBrk="0" hangingPunct="1">
+      <a:defRPr sz="1200" kern="1200">
+        <a:solidFill>
+          <a:schemeClr val="tx1"/>
+        </a:solidFill>
+        <a:latin typeface="+mn-lt"/>
+        <a:ea typeface="+mn-ea"/>
+        <a:cs typeface="+mn-cs"/>
+      </a:defRPr>
+    </a:lvl7pPr>
+    <a:lvl8pPr marL="3200400" algn="l" defTabSz="914400" rtl="0" eaLnBrk="1" latinLnBrk="0" hangingPunct="1">
+      <a:defRPr sz="1200" kern="1200">
+        <a:solidFill>
+          <a:schemeClr val="tx1"/>
+        </a:solidFill>
+        <a:latin typeface="+mn-lt"/>
+        <a:ea typeface="+mn-ea"/>
+        <a:cs typeface="+mn-cs"/>
+      </a:defRPr>
+    </a:lvl8pPr>
+    <a:lvl9pPr marL="3657600" algn="l" defTabSz="914400" rtl="0" eaLnBrk="1" latinLnBrk="0" hangingPunct="1">
+      <a:defRPr sz="1200" kern="1200">
+        <a:solidFill>
+          <a:schemeClr val="tx1"/>
+        </a:solidFill>
+        <a:latin typeface="+mn-lt"/>
+        <a:ea typeface="+mn-ea"/>
+        <a:cs typeface="+mn-cs"/>
+      </a:defRPr>
+    </a:lvl9pPr>
+  </p:notesStyle>
+</p:notesMaster>
+</file>
+
+<file path=ppt/notesSlides/notesSlide1.xml><?xml version="1.0" encoding="utf-8"?>
+<p:notes xmlns:a="http://schemas.openxmlformats.org/drawingml/2006/main" xmlns:r="http://schemas.openxmlformats.org/officeDocument/2006/relationships" xmlns:p="http://schemas.openxmlformats.org/presentationml/2006/main">
+  <p:cSld>
+    <p:spTree>
+      <p:nvGrpSpPr>
+        <p:cNvPr id="1" name=""/>
+        <p:cNvGrpSpPr/>
+        <p:nvPr/>
+      </p:nvGrpSpPr>
+      <p:grpSpPr>
+        <a:xfrm>
+          <a:off x="0" y="0"/>
+          <a:ext cx="0" cy="0"/>
+          <a:chOff x="0" y="0"/>
+          <a:chExt cx="0" cy="0"/>
+        </a:xfrm>
+      </p:grpSpPr>
+      <p:sp>
+        <p:nvSpPr>
+          <p:cNvPr id="2" name="Slide Image Placeholder 1"/>
+          <p:cNvSpPr>
+            <a:spLocks noGrp="1" noRot="1" noChangeAspect="1"/>
+          </p:cNvSpPr>
+          <p:nvPr>
+            <p:ph type="sldImg"/>
+          </p:nvPr>
+        </p:nvSpPr>
+        <p:spPr/>
+      </p:sp>
+      <p:sp>
+        <p:nvSpPr>
+          <p:cNvPr id="3" name="Notes Placeholder 2"/>
+          <p:cNvSpPr>
+            <a:spLocks noGrp="1"/>
+          </p:cNvSpPr>
+          <p:nvPr>
+            <p:ph type="body" idx="1"/>
+          </p:nvPr>
+        </p:nvSpPr>
+        <p:spPr/>
+        <p:txBody>
+          <a:bodyPr/>
+          <a:lstStyle/>
+          <a:p>
+            <a:endParaRPr lang="en-US" dirty="0"/>
+          </a:p>
+        </p:txBody>
+      </p:sp>
+      <p:sp>
+        <p:nvSpPr>
+          <p:cNvPr id="4" name="Slide Number Placeholder 3"/>
+          <p:cNvSpPr>
+            <a:spLocks noGrp="1"/>
+          </p:cNvSpPr>
+          <p:nvPr>
+            <p:ph type="sldNum" sz="quarter" idx="5"/>
+          </p:nvPr>
+        </p:nvSpPr>
+        <p:spPr/>
+        <p:txBody>
+          <a:bodyPr/>
+          <a:lstStyle/>
+          <a:p>
+            <a:fld id="{648A95C4-365F-497D-A176-C70E6A2CF8EA}" type="slidenum">
+              <a:rPr lang="en-US" smtClean="0"/>
+              <a:t>2</a:t>
+            </a:fld>
+            <a:endParaRPr lang="en-US"/>
+          </a:p>
+        </p:txBody>
+      </p:sp>
+    </p:spTree>
+    <p:extLst>
+      <p:ext uri="{BB962C8B-B14F-4D97-AF65-F5344CB8AC3E}">
+        <p14:creationId xmlns:p14="http://schemas.microsoft.com/office/powerpoint/2010/main" val="2495979205"/>
+      </p:ext>
+    </p:extLst>
+  </p:cSld>
+  <p:clrMapOvr>
+    <a:masterClrMapping/>
+  </p:clrMapOvr>
+</p:notes>
+</file>
+
+<file path=ppt/notesSlides/notesSlide2.xml><?xml version="1.0" encoding="utf-8"?>
+<p:notes xmlns:a="http://schemas.openxmlformats.org/drawingml/2006/main" xmlns:r="http://schemas.openxmlformats.org/officeDocument/2006/relationships" xmlns:p="http://schemas.openxmlformats.org/presentationml/2006/main">
+  <p:cSld>
+    <p:spTree>
+      <p:nvGrpSpPr>
+        <p:cNvPr id="1" name=""/>
+        <p:cNvGrpSpPr/>
+        <p:nvPr/>
+      </p:nvGrpSpPr>
+      <p:grpSpPr>
+        <a:xfrm>
+          <a:off x="0" y="0"/>
+          <a:ext cx="0" cy="0"/>
+          <a:chOff x="0" y="0"/>
+          <a:chExt cx="0" cy="0"/>
+        </a:xfrm>
+      </p:grpSpPr>
+      <p:sp>
+        <p:nvSpPr>
+          <p:cNvPr id="2" name="Slide Image Placeholder 1"/>
+          <p:cNvSpPr>
+            <a:spLocks noGrp="1" noRot="1" noChangeAspect="1"/>
+          </p:cNvSpPr>
+          <p:nvPr>
+            <p:ph type="sldImg"/>
+          </p:nvPr>
+        </p:nvSpPr>
+        <p:spPr/>
+      </p:sp>
+      <p:sp>
+        <p:nvSpPr>
+          <p:cNvPr id="3" name="Notes Placeholder 2"/>
+          <p:cNvSpPr>
+            <a:spLocks noGrp="1"/>
+          </p:cNvSpPr>
+          <p:nvPr>
+            <p:ph type="body" idx="1"/>
+          </p:nvPr>
+        </p:nvSpPr>
+        <p:spPr/>
+        <p:txBody>
+          <a:bodyPr/>
+          <a:lstStyle/>
+          <a:p>
+            <a:r>
+              <a:rPr lang="en-US" dirty="0"/>
+              <a:t>One of our biggest challenges early on was to figure out how we would generate participation behavior. </a:t>
+            </a:r>
+          </a:p>
+          <a:p>
+            <a:r>
+              <a:rPr lang="en-US" dirty="0"/>
+              <a:t>We settled on generating a “propensity participation score” using a simple linear transformation of covariates with a logit link.</a:t>
+            </a:r>
+          </a:p>
+          <a:p>
+            <a:r>
+              <a:rPr lang="en-US" dirty="0"/>
+              <a:t>To select parameters for the model we </a:t>
+            </a:r>
+          </a:p>
+        </p:txBody>
+      </p:sp>
+      <p:sp>
+        <p:nvSpPr>
+          <p:cNvPr id="4" name="Slide Number Placeholder 3"/>
+          <p:cNvSpPr>
+            <a:spLocks noGrp="1"/>
+          </p:cNvSpPr>
+          <p:nvPr>
+            <p:ph type="sldNum" sz="quarter" idx="5"/>
+          </p:nvPr>
+        </p:nvSpPr>
+        <p:spPr/>
+        <p:txBody>
+          <a:bodyPr/>
+          <a:lstStyle/>
+          <a:p>
+            <a:fld id="{648A95C4-365F-497D-A176-C70E6A2CF8EA}" type="slidenum">
+              <a:rPr lang="en-US" smtClean="0"/>
+              <a:t>3</a:t>
+            </a:fld>
+            <a:endParaRPr lang="en-US"/>
+          </a:p>
+        </p:txBody>
+      </p:sp>
+    </p:spTree>
+    <p:extLst>
+      <p:ext uri="{BB962C8B-B14F-4D97-AF65-F5344CB8AC3E}">
+        <p14:creationId xmlns:p14="http://schemas.microsoft.com/office/powerpoint/2010/main" val="2744226923"/>
+      </p:ext>
+    </p:extLst>
+  </p:cSld>
+  <p:clrMapOvr>
+    <a:masterClrMapping/>
+  </p:clrMapOvr>
+</p:notes>
 </file>
 
 <file path=ppt/slideLayouts/slideLayout1.xml><?xml version="1.0" encoding="utf-8"?>
@@ -3437,7 +3978,10 @@
           <a:bodyPr/>
           <a:lstStyle/>
           <a:p>
-            <a:endParaRPr lang="en-US"/>
+            <a:r>
+              <a:rPr lang="en-US" dirty="0"/>
+              <a:t>Generalizability</a:t>
+            </a:r>
           </a:p>
         </p:txBody>
       </p:sp>
@@ -3462,7 +4006,27 @@
           <a:bodyPr/>
           <a:lstStyle/>
           <a:p>
-            <a:endParaRPr lang="en-US"/>
+            <a:r>
+              <a:rPr lang="en-US" dirty="0"/>
+              <a:t>Subset of external validity</a:t>
+            </a:r>
+          </a:p>
+          <a:p>
+            <a:pPr lvl="1"/>
+            <a:r>
+              <a:rPr lang="en-US" dirty="0"/>
+              <a:t>Can we extrapolate the estimated average treatment effect (ATE) to units or sites outside of the sample?</a:t>
+            </a:r>
+          </a:p>
+          <a:p>
+            <a:r>
+              <a:rPr lang="en-US" dirty="0"/>
+              <a:t>Representativeness</a:t>
+            </a:r>
+          </a:p>
+          <a:p>
+            <a:pPr lvl="1"/>
+            <a:endParaRPr lang="en-US" dirty="0"/>
           </a:p>
         </p:txBody>
       </p:sp>
@@ -3470,6 +4034,365 @@
     <p:extLst>
       <p:ext uri="{BB962C8B-B14F-4D97-AF65-F5344CB8AC3E}">
         <p14:creationId xmlns:p14="http://schemas.microsoft.com/office/powerpoint/2010/main" val="1286533333"/>
+      </p:ext>
+    </p:extLst>
+  </p:cSld>
+  <p:clrMapOvr>
+    <a:masterClrMapping/>
+  </p:clrMapOvr>
+</p:sld>
+</file>
+
+<file path=ppt/slides/slide3.xml><?xml version="1.0" encoding="utf-8"?>
+<p:sld xmlns:a="http://schemas.openxmlformats.org/drawingml/2006/main" xmlns:r="http://schemas.openxmlformats.org/officeDocument/2006/relationships" xmlns:p="http://schemas.openxmlformats.org/presentationml/2006/main">
+  <p:cSld>
+    <p:spTree>
+      <p:nvGrpSpPr>
+        <p:cNvPr id="1" name=""/>
+        <p:cNvGrpSpPr/>
+        <p:nvPr/>
+      </p:nvGrpSpPr>
+      <p:grpSpPr>
+        <a:xfrm>
+          <a:off x="0" y="0"/>
+          <a:ext cx="0" cy="0"/>
+          <a:chOff x="0" y="0"/>
+          <a:chExt cx="0" cy="0"/>
+        </a:xfrm>
+      </p:grpSpPr>
+      <p:sp>
+        <p:nvSpPr>
+          <p:cNvPr id="2" name="Title 1">
+            <a:extLst>
+              <a:ext uri="{FF2B5EF4-FFF2-40B4-BE49-F238E27FC236}">
+                <a16:creationId xmlns:a16="http://schemas.microsoft.com/office/drawing/2014/main" id="{924A0832-0D9E-498C-8AE9-4A7D7A2DE0C3}"/>
+              </a:ext>
+            </a:extLst>
+          </p:cNvPr>
+          <p:cNvSpPr>
+            <a:spLocks noGrp="1"/>
+          </p:cNvSpPr>
+          <p:nvPr>
+            <p:ph type="title"/>
+          </p:nvPr>
+        </p:nvSpPr>
+        <p:spPr/>
+        <p:txBody>
+          <a:bodyPr/>
+          <a:lstStyle/>
+          <a:p>
+            <a:r>
+              <a:rPr lang="en-US" dirty="0"/>
+              <a:t>Participation Model</a:t>
+            </a:r>
+          </a:p>
+        </p:txBody>
+      </p:sp>
+      <mc:AlternateContent xmlns:mc="http://schemas.openxmlformats.org/markup-compatibility/2006">
+        <mc:Choice xmlns:a14="http://schemas.microsoft.com/office/drawing/2010/main" Requires="a14">
+          <p:sp>
+            <p:nvSpPr>
+              <p:cNvPr id="3" name="Content Placeholder 2">
+                <a:extLst>
+                  <a:ext uri="{FF2B5EF4-FFF2-40B4-BE49-F238E27FC236}">
+                    <a16:creationId xmlns:a16="http://schemas.microsoft.com/office/drawing/2014/main" id="{CBAC033E-BD92-499D-BE68-D8F9383314D6}"/>
+                  </a:ext>
+                </a:extLst>
+              </p:cNvPr>
+              <p:cNvSpPr>
+                <a:spLocks noGrp="1"/>
+              </p:cNvSpPr>
+              <p:nvPr>
+                <p:ph idx="1"/>
+              </p:nvPr>
+            </p:nvSpPr>
+            <p:spPr>
+              <a:xfrm>
+                <a:off x="838200" y="1834503"/>
+                <a:ext cx="10515600" cy="4351338"/>
+              </a:xfrm>
+            </p:spPr>
+            <p:txBody>
+              <a:bodyPr/>
+              <a:lstStyle/>
+              <a:p>
+                <a:r>
+                  <a:rPr lang="en-US" dirty="0"/>
+                  <a:t>Participation propensity score (</a:t>
+                </a:r>
+                <a14:m>
+                  <m:oMath xmlns:m="http://schemas.openxmlformats.org/officeDocument/2006/math">
+                    <m:sSubSup>
+                      <m:sSubSupPr>
+                        <m:ctrlPr>
+                          <a:rPr lang="en-US" i="1">
+                            <a:latin typeface="Cambria Math" panose="02040503050406030204" pitchFamily="18" charset="0"/>
+                          </a:rPr>
+                        </m:ctrlPr>
+                      </m:sSubSupPr>
+                      <m:e>
+                        <m:r>
+                          <a:rPr lang="en-US" i="1">
+                            <a:latin typeface="Cambria Math" panose="02040503050406030204" pitchFamily="18" charset="0"/>
+                            <a:ea typeface="Cambria Math" panose="02040503050406030204" pitchFamily="18" charset="0"/>
+                          </a:rPr>
+                          <m:t>𝜋</m:t>
+                        </m:r>
+                      </m:e>
+                      <m:sub>
+                        <m:r>
+                          <a:rPr lang="en-US" i="1">
+                            <a:latin typeface="Cambria Math" panose="02040503050406030204" pitchFamily="18" charset="0"/>
+                          </a:rPr>
+                          <m:t>𝑖</m:t>
+                        </m:r>
+                      </m:sub>
+                      <m:sup>
+                        <m:r>
+                          <a:rPr lang="en-US" i="1">
+                            <a:latin typeface="Cambria Math" panose="02040503050406030204" pitchFamily="18" charset="0"/>
+                          </a:rPr>
+                          <m:t>𝑝</m:t>
+                        </m:r>
+                      </m:sup>
+                    </m:sSubSup>
+                  </m:oMath>
+                </a14:m>
+                <a:r>
+                  <a:rPr lang="en-US" dirty="0"/>
+                  <a:t>)</a:t>
+                </a:r>
+              </a:p>
+              <a:p>
+                <a:pPr lvl="1"/>
+                <a:r>
+                  <a:rPr lang="en-US" dirty="0"/>
+                  <a:t>Probability a site would participate in an RCT if approached by recruiters</a:t>
+                </a:r>
+              </a:p>
+              <a:p>
+                <a:pPr lvl="1"/>
+                <a:endParaRPr lang="en-US" dirty="0"/>
+              </a:p>
+              <a:p>
+                <a:pPr marL="457200" lvl="1" indent="0">
+                  <a:buNone/>
+                </a:pPr>
+                <a14:m>
+                  <m:oMathPara xmlns:m="http://schemas.openxmlformats.org/officeDocument/2006/math">
+                    <m:oMathParaPr>
+                      <m:jc m:val="centerGroup"/>
+                    </m:oMathParaPr>
+                    <m:oMath xmlns:m="http://schemas.openxmlformats.org/officeDocument/2006/math">
+                      <m:r>
+                        <a:rPr lang="en-US" i="1">
+                          <a:latin typeface="Cambria Math" panose="02040503050406030204" pitchFamily="18" charset="0"/>
+                        </a:rPr>
+                        <m:t>𝑙𝑜𝑔</m:t>
+                      </m:r>
+                      <m:d>
+                        <m:dPr>
+                          <m:ctrlPr>
+                            <a:rPr lang="en-US" i="1">
+                              <a:latin typeface="Cambria Math" panose="02040503050406030204" pitchFamily="18" charset="0"/>
+                            </a:rPr>
+                          </m:ctrlPr>
+                        </m:dPr>
+                        <m:e>
+                          <m:f>
+                            <m:fPr>
+                              <m:ctrlPr>
+                                <a:rPr lang="en-US" i="1">
+                                  <a:latin typeface="Cambria Math" panose="02040503050406030204" pitchFamily="18" charset="0"/>
+                                </a:rPr>
+                              </m:ctrlPr>
+                            </m:fPr>
+                            <m:num>
+                              <m:sSubSup>
+                                <m:sSubSupPr>
+                                  <m:ctrlPr>
+                                    <a:rPr lang="en-US" i="1" smtClean="0">
+                                      <a:latin typeface="Cambria Math" panose="02040503050406030204" pitchFamily="18" charset="0"/>
+                                    </a:rPr>
+                                  </m:ctrlPr>
+                                </m:sSubSupPr>
+                                <m:e>
+                                  <m:r>
+                                    <a:rPr lang="en-US" i="1" smtClean="0">
+                                      <a:latin typeface="Cambria Math" panose="02040503050406030204" pitchFamily="18" charset="0"/>
+                                      <a:ea typeface="Cambria Math" panose="02040503050406030204" pitchFamily="18" charset="0"/>
+                                    </a:rPr>
+                                    <m:t>𝜋</m:t>
+                                  </m:r>
+                                </m:e>
+                                <m:sub>
+                                  <m:r>
+                                    <a:rPr lang="en-US" b="0" i="1" smtClean="0">
+                                      <a:latin typeface="Cambria Math" panose="02040503050406030204" pitchFamily="18" charset="0"/>
+                                    </a:rPr>
+                                    <m:t>𝑖</m:t>
+                                  </m:r>
+                                </m:sub>
+                                <m:sup>
+                                  <m:r>
+                                    <a:rPr lang="en-US" b="0" i="1" smtClean="0">
+                                      <a:latin typeface="Cambria Math" panose="02040503050406030204" pitchFamily="18" charset="0"/>
+                                    </a:rPr>
+                                    <m:t>𝑝</m:t>
+                                  </m:r>
+                                </m:sup>
+                              </m:sSubSup>
+                            </m:num>
+                            <m:den>
+                              <m:r>
+                                <a:rPr lang="en-US" i="1">
+                                  <a:latin typeface="Cambria Math" panose="02040503050406030204" pitchFamily="18" charset="0"/>
+                                </a:rPr>
+                                <m:t>1−</m:t>
+                              </m:r>
+                              <m:sSubSup>
+                                <m:sSubSupPr>
+                                  <m:ctrlPr>
+                                    <a:rPr lang="en-US" i="1">
+                                      <a:latin typeface="Cambria Math" panose="02040503050406030204" pitchFamily="18" charset="0"/>
+                                    </a:rPr>
+                                  </m:ctrlPr>
+                                </m:sSubSupPr>
+                                <m:e>
+                                  <m:r>
+                                    <a:rPr lang="en-US" i="1">
+                                      <a:latin typeface="Cambria Math" panose="02040503050406030204" pitchFamily="18" charset="0"/>
+                                      <a:ea typeface="Cambria Math" panose="02040503050406030204" pitchFamily="18" charset="0"/>
+                                    </a:rPr>
+                                    <m:t>𝜋</m:t>
+                                  </m:r>
+                                </m:e>
+                                <m:sub>
+                                  <m:r>
+                                    <a:rPr lang="en-US" i="1">
+                                      <a:latin typeface="Cambria Math" panose="02040503050406030204" pitchFamily="18" charset="0"/>
+                                    </a:rPr>
+                                    <m:t>𝑖</m:t>
+                                  </m:r>
+                                </m:sub>
+                                <m:sup>
+                                  <m:r>
+                                    <a:rPr lang="en-US" i="1">
+                                      <a:latin typeface="Cambria Math" panose="02040503050406030204" pitchFamily="18" charset="0"/>
+                                    </a:rPr>
+                                    <m:t>𝑝</m:t>
+                                  </m:r>
+                                </m:sup>
+                              </m:sSubSup>
+                            </m:den>
+                          </m:f>
+                        </m:e>
+                      </m:d>
+                      <m:r>
+                        <a:rPr lang="en-US" i="1">
+                          <a:latin typeface="Cambria Math" panose="02040503050406030204" pitchFamily="18" charset="0"/>
+                        </a:rPr>
+                        <m:t>=</m:t>
+                      </m:r>
+                      <m:sSub>
+                        <m:sSubPr>
+                          <m:ctrlPr>
+                            <a:rPr lang="en-US" i="1" smtClean="0">
+                              <a:latin typeface="Cambria Math" panose="02040503050406030204" pitchFamily="18" charset="0"/>
+                            </a:rPr>
+                          </m:ctrlPr>
+                        </m:sSubPr>
+                        <m:e>
+                          <m:r>
+                            <a:rPr lang="en-US" b="1" i="1" smtClean="0">
+                              <a:latin typeface="Cambria Math" panose="02040503050406030204" pitchFamily="18" charset="0"/>
+                            </a:rPr>
+                            <m:t>𝑿</m:t>
+                          </m:r>
+                        </m:e>
+                        <m:sub>
+                          <m:r>
+                            <a:rPr lang="en-US" b="0" i="1" smtClean="0">
+                              <a:latin typeface="Cambria Math" panose="02040503050406030204" pitchFamily="18" charset="0"/>
+                            </a:rPr>
+                            <m:t>𝑖</m:t>
+                          </m:r>
+                        </m:sub>
+                      </m:sSub>
+                      <m:r>
+                        <a:rPr lang="en-US" b="1" i="1" smtClean="0">
+                          <a:latin typeface="Cambria Math" panose="02040503050406030204" pitchFamily="18" charset="0"/>
+                          <a:ea typeface="Cambria Math" panose="02040503050406030204" pitchFamily="18" charset="0"/>
+                        </a:rPr>
+                        <m:t>𝜷</m:t>
+                      </m:r>
+                    </m:oMath>
+                  </m:oMathPara>
+                </a14:m>
+                <a:endParaRPr lang="en-US" b="1" dirty="0"/>
+              </a:p>
+              <a:p>
+                <a:pPr lvl="1"/>
+                <a:endParaRPr lang="en-US" dirty="0"/>
+              </a:p>
+              <a:p>
+                <a:pPr lvl="1"/>
+                <a:r>
+                  <a:rPr lang="en-US" dirty="0"/>
+                  <a:t>Parameters were selected to mimic sample characteristics reported by Fellers (2017)</a:t>
+                </a:r>
+              </a:p>
+            </p:txBody>
+          </p:sp>
+        </mc:Choice>
+        <mc:Fallback>
+          <p:sp>
+            <p:nvSpPr>
+              <p:cNvPr id="3" name="Content Placeholder 2">
+                <a:extLst>
+                  <a:ext uri="{FF2B5EF4-FFF2-40B4-BE49-F238E27FC236}">
+                    <a16:creationId xmlns:a16="http://schemas.microsoft.com/office/drawing/2014/main" id="{CBAC033E-BD92-499D-BE68-D8F9383314D6}"/>
+                  </a:ext>
+                </a:extLst>
+              </p:cNvPr>
+              <p:cNvSpPr>
+                <a:spLocks noGrp="1" noRot="1" noChangeAspect="1" noMove="1" noResize="1" noEditPoints="1" noAdjustHandles="1" noChangeArrowheads="1" noChangeShapeType="1" noTextEdit="1"/>
+              </p:cNvSpPr>
+              <p:nvPr>
+                <p:ph idx="1"/>
+              </p:nvPr>
+            </p:nvSpPr>
+            <p:spPr>
+              <a:xfrm>
+                <a:off x="838200" y="1834503"/>
+                <a:ext cx="10515600" cy="4351338"/>
+              </a:xfrm>
+              <a:blipFill>
+                <a:blip r:embed="rId3"/>
+                <a:stretch>
+                  <a:fillRect l="-1043" t="-1681" r="-522"/>
+                </a:stretch>
+              </a:blipFill>
+            </p:spPr>
+            <p:txBody>
+              <a:bodyPr/>
+              <a:lstStyle/>
+              <a:p>
+                <a:r>
+                  <a:rPr lang="en-US">
+                    <a:noFill/>
+                  </a:rPr>
+                  <a:t> </a:t>
+                </a:r>
+              </a:p>
+            </p:txBody>
+          </p:sp>
+        </mc:Fallback>
+      </mc:AlternateContent>
+    </p:spTree>
+    <p:extLst>
+      <p:ext uri="{BB962C8B-B14F-4D97-AF65-F5344CB8AC3E}">
+        <p14:creationId xmlns:p14="http://schemas.microsoft.com/office/powerpoint/2010/main" val="2499406773"/>
       </p:ext>
     </p:extLst>
   </p:cSld>
@@ -3772,4 +4695,299 @@
     </a:ext>
   </a:extLst>
 </a:theme>
+</file>
+
+<file path=ppt/theme/theme2.xml><?xml version="1.0" encoding="utf-8"?>
+<a:theme xmlns:a="http://schemas.openxmlformats.org/drawingml/2006/main" name="Office Theme">
+  <a:themeElements>
+    <a:clrScheme name="Office">
+      <a:dk1>
+        <a:sysClr val="windowText" lastClr="000000"/>
+      </a:dk1>
+      <a:lt1>
+        <a:sysClr val="window" lastClr="FFFFFF"/>
+      </a:lt1>
+      <a:dk2>
+        <a:srgbClr val="44546A"/>
+      </a:dk2>
+      <a:lt2>
+        <a:srgbClr val="E7E6E6"/>
+      </a:lt2>
+      <a:accent1>
+        <a:srgbClr val="4472C4"/>
+      </a:accent1>
+      <a:accent2>
+        <a:srgbClr val="ED7D31"/>
+      </a:accent2>
+      <a:accent3>
+        <a:srgbClr val="A5A5A5"/>
+      </a:accent3>
+      <a:accent4>
+        <a:srgbClr val="FFC000"/>
+      </a:accent4>
+      <a:accent5>
+        <a:srgbClr val="5B9BD5"/>
+      </a:accent5>
+      <a:accent6>
+        <a:srgbClr val="70AD47"/>
+      </a:accent6>
+      <a:hlink>
+        <a:srgbClr val="0563C1"/>
+      </a:hlink>
+      <a:folHlink>
+        <a:srgbClr val="954F72"/>
+      </a:folHlink>
+    </a:clrScheme>
+    <a:fontScheme name="Office">
+      <a:majorFont>
+        <a:latin typeface="Calibri Light" panose="020F0302020204030204"/>
+        <a:ea typeface=""/>
+        <a:cs typeface=""/>
+        <a:font script="Jpan" typeface="游ゴシック Light"/>
+        <a:font script="Hang" typeface="맑은 고딕"/>
+        <a:font script="Hans" typeface="等线 Light"/>
+        <a:font script="Hant" typeface="新細明體"/>
+        <a:font script="Arab" typeface="Times New Roman"/>
+        <a:font script="Hebr" typeface="Times New Roman"/>
+        <a:font script="Thai" typeface="Angsana New"/>
+        <a:font script="Ethi" typeface="Nyala"/>
+        <a:font script="Beng" typeface="Vrinda"/>
+        <a:font script="Gujr" typeface="Shruti"/>
+        <a:font script="Khmr" typeface="MoolBoran"/>
+        <a:font script="Knda" typeface="Tunga"/>
+        <a:font script="Guru" typeface="Raavi"/>
+        <a:font script="Cans" typeface="Euphemia"/>
+        <a:font script="Cher" typeface="Plantagenet Cherokee"/>
+        <a:font script="Yiii" typeface="Microsoft Yi Baiti"/>
+        <a:font script="Tibt" typeface="Microsoft Himalaya"/>
+        <a:font script="Thaa" typeface="MV Boli"/>
+        <a:font script="Deva" typeface="Mangal"/>
+        <a:font script="Telu" typeface="Gautami"/>
+        <a:font script="Taml" typeface="Latha"/>
+        <a:font script="Syrc" typeface="Estrangelo Edessa"/>
+        <a:font script="Orya" typeface="Kalinga"/>
+        <a:font script="Mlym" typeface="Kartika"/>
+        <a:font script="Laoo" typeface="DokChampa"/>
+        <a:font script="Sinh" typeface="Iskoola Pota"/>
+        <a:font script="Mong" typeface="Mongolian Baiti"/>
+        <a:font script="Viet" typeface="Times New Roman"/>
+        <a:font script="Uigh" typeface="Microsoft Uighur"/>
+        <a:font script="Geor" typeface="Sylfaen"/>
+        <a:font script="Armn" typeface="Arial"/>
+        <a:font script="Bugi" typeface="Leelawadee UI"/>
+        <a:font script="Bopo" typeface="Microsoft JhengHei"/>
+        <a:font script="Java" typeface="Javanese Text"/>
+        <a:font script="Lisu" typeface="Segoe UI"/>
+        <a:font script="Mymr" typeface="Myanmar Text"/>
+        <a:font script="Nkoo" typeface="Ebrima"/>
+        <a:font script="Olck" typeface="Nirmala UI"/>
+        <a:font script="Osma" typeface="Ebrima"/>
+        <a:font script="Phag" typeface="Phagspa"/>
+        <a:font script="Syrn" typeface="Estrangelo Edessa"/>
+        <a:font script="Syrj" typeface="Estrangelo Edessa"/>
+        <a:font script="Syre" typeface="Estrangelo Edessa"/>
+        <a:font script="Sora" typeface="Nirmala UI"/>
+        <a:font script="Tale" typeface="Microsoft Tai Le"/>
+        <a:font script="Talu" typeface="Microsoft New Tai Lue"/>
+        <a:font script="Tfng" typeface="Ebrima"/>
+      </a:majorFont>
+      <a:minorFont>
+        <a:latin typeface="Calibri" panose="020F0502020204030204"/>
+        <a:ea typeface=""/>
+        <a:cs typeface=""/>
+        <a:font script="Jpan" typeface="游ゴシック"/>
+        <a:font script="Hang" typeface="맑은 고딕"/>
+        <a:font script="Hans" typeface="等线"/>
+        <a:font script="Hant" typeface="新細明體"/>
+        <a:font script="Arab" typeface="Arial"/>
+        <a:font script="Hebr" typeface="Arial"/>
+        <a:font script="Thai" typeface="Cordia New"/>
+        <a:font script="Ethi" typeface="Nyala"/>
+        <a:font script="Beng" typeface="Vrinda"/>
+        <a:font script="Gujr" typeface="Shruti"/>
+        <a:font script="Khmr" typeface="DaunPenh"/>
+        <a:font script="Knda" typeface="Tunga"/>
+        <a:font script="Guru" typeface="Raavi"/>
+        <a:font script="Cans" typeface="Euphemia"/>
+        <a:font script="Cher" typeface="Plantagenet Cherokee"/>
+        <a:font script="Yiii" typeface="Microsoft Yi Baiti"/>
+        <a:font script="Tibt" typeface="Microsoft Himalaya"/>
+        <a:font script="Thaa" typeface="MV Boli"/>
+        <a:font script="Deva" typeface="Mangal"/>
+        <a:font script="Telu" typeface="Gautami"/>
+        <a:font script="Taml" typeface="Latha"/>
+        <a:font script="Syrc" typeface="Estrangelo Edessa"/>
+        <a:font script="Orya" typeface="Kalinga"/>
+        <a:font script="Mlym" typeface="Kartika"/>
+        <a:font script="Laoo" typeface="DokChampa"/>
+        <a:font script="Sinh" typeface="Iskoola Pota"/>
+        <a:font script="Mong" typeface="Mongolian Baiti"/>
+        <a:font script="Viet" typeface="Arial"/>
+        <a:font script="Uigh" typeface="Microsoft Uighur"/>
+        <a:font script="Geor" typeface="Sylfaen"/>
+        <a:font script="Armn" typeface="Arial"/>
+        <a:font script="Bugi" typeface="Leelawadee UI"/>
+        <a:font script="Bopo" typeface="Microsoft JhengHei"/>
+        <a:font script="Java" typeface="Javanese Text"/>
+        <a:font script="Lisu" typeface="Segoe UI"/>
+        <a:font script="Mymr" typeface="Myanmar Text"/>
+        <a:font script="Nkoo" typeface="Ebrima"/>
+        <a:font script="Olck" typeface="Nirmala UI"/>
+        <a:font script="Osma" typeface="Ebrima"/>
+        <a:font script="Phag" typeface="Phagspa"/>
+        <a:font script="Syrn" typeface="Estrangelo Edessa"/>
+        <a:font script="Syrj" typeface="Estrangelo Edessa"/>
+        <a:font script="Syre" typeface="Estrangelo Edessa"/>
+        <a:font script="Sora" typeface="Nirmala UI"/>
+        <a:font script="Tale" typeface="Microsoft Tai Le"/>
+        <a:font script="Talu" typeface="Microsoft New Tai Lue"/>
+        <a:font script="Tfng" typeface="Ebrima"/>
+      </a:minorFont>
+    </a:fontScheme>
+    <a:fmtScheme name="Office">
+      <a:fillStyleLst>
+        <a:solidFill>
+          <a:schemeClr val="phClr"/>
+        </a:solidFill>
+        <a:gradFill rotWithShape="1">
+          <a:gsLst>
+            <a:gs pos="0">
+              <a:schemeClr val="phClr">
+                <a:lumMod val="110000"/>
+                <a:satMod val="105000"/>
+                <a:tint val="67000"/>
+              </a:schemeClr>
+            </a:gs>
+            <a:gs pos="50000">
+              <a:schemeClr val="phClr">
+                <a:lumMod val="105000"/>
+                <a:satMod val="103000"/>
+                <a:tint val="73000"/>
+              </a:schemeClr>
+            </a:gs>
+            <a:gs pos="100000">
+              <a:schemeClr val="phClr">
+                <a:lumMod val="105000"/>
+                <a:satMod val="109000"/>
+                <a:tint val="81000"/>
+              </a:schemeClr>
+            </a:gs>
+          </a:gsLst>
+          <a:lin ang="5400000" scaled="0"/>
+        </a:gradFill>
+        <a:gradFill rotWithShape="1">
+          <a:gsLst>
+            <a:gs pos="0">
+              <a:schemeClr val="phClr">
+                <a:satMod val="103000"/>
+                <a:lumMod val="102000"/>
+                <a:tint val="94000"/>
+              </a:schemeClr>
+            </a:gs>
+            <a:gs pos="50000">
+              <a:schemeClr val="phClr">
+                <a:satMod val="110000"/>
+                <a:lumMod val="100000"/>
+                <a:shade val="100000"/>
+              </a:schemeClr>
+            </a:gs>
+            <a:gs pos="100000">
+              <a:schemeClr val="phClr">
+                <a:lumMod val="99000"/>
+                <a:satMod val="120000"/>
+                <a:shade val="78000"/>
+              </a:schemeClr>
+            </a:gs>
+          </a:gsLst>
+          <a:lin ang="5400000" scaled="0"/>
+        </a:gradFill>
+      </a:fillStyleLst>
+      <a:lnStyleLst>
+        <a:ln w="6350" cap="flat" cmpd="sng" algn="ctr">
+          <a:solidFill>
+            <a:schemeClr val="phClr"/>
+          </a:solidFill>
+          <a:prstDash val="solid"/>
+          <a:miter lim="800000"/>
+        </a:ln>
+        <a:ln w="12700" cap="flat" cmpd="sng" algn="ctr">
+          <a:solidFill>
+            <a:schemeClr val="phClr"/>
+          </a:solidFill>
+          <a:prstDash val="solid"/>
+          <a:miter lim="800000"/>
+        </a:ln>
+        <a:ln w="19050" cap="flat" cmpd="sng" algn="ctr">
+          <a:solidFill>
+            <a:schemeClr val="phClr"/>
+          </a:solidFill>
+          <a:prstDash val="solid"/>
+          <a:miter lim="800000"/>
+        </a:ln>
+      </a:lnStyleLst>
+      <a:effectStyleLst>
+        <a:effectStyle>
+          <a:effectLst/>
+        </a:effectStyle>
+        <a:effectStyle>
+          <a:effectLst/>
+        </a:effectStyle>
+        <a:effectStyle>
+          <a:effectLst>
+            <a:outerShdw blurRad="57150" dist="19050" dir="5400000" algn="ctr" rotWithShape="0">
+              <a:srgbClr val="000000">
+                <a:alpha val="63000"/>
+              </a:srgbClr>
+            </a:outerShdw>
+          </a:effectLst>
+        </a:effectStyle>
+      </a:effectStyleLst>
+      <a:bgFillStyleLst>
+        <a:solidFill>
+          <a:schemeClr val="phClr"/>
+        </a:solidFill>
+        <a:solidFill>
+          <a:schemeClr val="phClr">
+            <a:tint val="95000"/>
+            <a:satMod val="170000"/>
+          </a:schemeClr>
+        </a:solidFill>
+        <a:gradFill rotWithShape="1">
+          <a:gsLst>
+            <a:gs pos="0">
+              <a:schemeClr val="phClr">
+                <a:tint val="93000"/>
+                <a:satMod val="150000"/>
+                <a:shade val="98000"/>
+                <a:lumMod val="102000"/>
+              </a:schemeClr>
+            </a:gs>
+            <a:gs pos="50000">
+              <a:schemeClr val="phClr">
+                <a:tint val="98000"/>
+                <a:satMod val="130000"/>
+                <a:shade val="90000"/>
+                <a:lumMod val="103000"/>
+              </a:schemeClr>
+            </a:gs>
+            <a:gs pos="100000">
+              <a:schemeClr val="phClr">
+                <a:shade val="63000"/>
+                <a:satMod val="120000"/>
+              </a:schemeClr>
+            </a:gs>
+          </a:gsLst>
+          <a:lin ang="5400000" scaled="0"/>
+        </a:gradFill>
+      </a:bgFillStyleLst>
+    </a:fmtScheme>
+  </a:themeElements>
+  <a:objectDefaults/>
+  <a:extraClrSchemeLst/>
+  <a:extLst>
+    <a:ext uri="{05A4C25C-085E-4340-85A3-A5531E510DB2}">
+      <thm15:themeFamily xmlns:thm15="http://schemas.microsoft.com/office/thememl/2012/main" name="Office Theme" id="{62F939B6-93AF-4DB8-9C6B-D6C7DFDC589F}" vid="{4A3C46E8-61CC-4603-A589-7422A47A8E4A}"/>
+    </a:ext>
+  </a:extLst>
+</a:theme>
 </file>
--- a/Presentation/GenSamp SREE.pptx
+++ b/Presentation/GenSamp SREE.pptx
@@ -5,12 +5,19 @@
     <p:sldMasterId id="2147483648" r:id="rId1"/>
   </p:sldMasterIdLst>
   <p:notesMasterIdLst>
-    <p:notesMasterId r:id="rId5"/>
+    <p:notesMasterId r:id="rId12"/>
   </p:notesMasterIdLst>
   <p:sldIdLst>
     <p:sldId id="256" r:id="rId2"/>
-    <p:sldId id="257" r:id="rId3"/>
-    <p:sldId id="258" r:id="rId4"/>
+    <p:sldId id="259" r:id="rId3"/>
+    <p:sldId id="260" r:id="rId4"/>
+    <p:sldId id="257" r:id="rId5"/>
+    <p:sldId id="261" r:id="rId6"/>
+    <p:sldId id="258" r:id="rId7"/>
+    <p:sldId id="264" r:id="rId8"/>
+    <p:sldId id="265" r:id="rId9"/>
+    <p:sldId id="262" r:id="rId10"/>
+    <p:sldId id="263" r:id="rId11"/>
   </p:sldIdLst>
   <p:sldSz cx="12192000" cy="6858000"/>
   <p:notesSz cx="6858000" cy="9144000"/>
@@ -199,7 +206,7 @@
           <a:p>
             <a:fld id="{AFBE4FCB-37C0-4161-ADBF-AA9B53CA277B}" type="datetimeFigureOut">
               <a:rPr lang="en-US" smtClean="0"/>
-              <a:t>2/25/2019</a:t>
+              <a:t>2/26/2019</a:t>
             </a:fld>
             <a:endParaRPr lang="en-US"/>
           </a:p>
@@ -510,7 +517,59 @@
           <a:bodyPr/>
           <a:lstStyle/>
           <a:p>
-            <a:endParaRPr lang="en-US" dirty="0"/>
+            <a:r>
+              <a:rPr lang="en-US" dirty="0" smtClean="0"/>
+              <a:t>The impetus for this project came from my work on a large-scale effectiveness trial. I was</a:t>
+            </a:r>
+            <a:r>
+              <a:rPr lang="en-US" baseline="0" dirty="0" smtClean="0"/>
+              <a:t> asked by the PI to help implement a sampling design which would result in a nationally representative sample of 60 schools. The idea was to make inferences about the treatment effect in the population of schools in the US, with some restrictions. </a:t>
+            </a:r>
+          </a:p>
+          <a:p>
+            <a:endParaRPr lang="en-US" baseline="0" dirty="0" smtClean="0"/>
+          </a:p>
+          <a:p>
+            <a:r>
+              <a:rPr lang="en-US" baseline="0" dirty="0" smtClean="0"/>
+              <a:t>The design we settled on was one proposed by Tipton, which we are dubbing Stratified Balanced Sampling (SBS). I’ll get into more detail later but the general idea is </a:t>
+            </a:r>
+          </a:p>
+          <a:p>
+            <a:r>
+              <a:rPr lang="en-US" baseline="0" dirty="0" smtClean="0"/>
+              <a:t>	1. Stratify the population along a set of covariates related to treatment effect heterogeneity </a:t>
+            </a:r>
+          </a:p>
+          <a:p>
+            <a:r>
+              <a:rPr lang="en-US" baseline="0" dirty="0" smtClean="0"/>
+              <a:t>	2. Sample from each stratum proportionally</a:t>
+            </a:r>
+          </a:p>
+          <a:p>
+            <a:r>
+              <a:rPr lang="en-US" baseline="0" dirty="0" smtClean="0"/>
+              <a:t>	3. Prioritize schools that are most like their stratum for recruitment</a:t>
+            </a:r>
+          </a:p>
+          <a:p>
+            <a:r>
+              <a:rPr lang="en-US" baseline="0" dirty="0" smtClean="0"/>
+              <a:t>	4. As schools refuse to participate, take note of why and move on to the next best school</a:t>
+            </a:r>
+          </a:p>
+          <a:p>
+            <a:endParaRPr lang="en-US" baseline="0" dirty="0" smtClean="0"/>
+          </a:p>
+          <a:p>
+            <a:r>
+              <a:rPr lang="en-US" baseline="0" dirty="0" smtClean="0"/>
+              <a:t>This method was appealing because we felt it was flexible and didn’t require us to know ahead of time which schools, districts, or States we had access to for recruitment. This was particularly useful because this would be a three year study, with a cohort of about 20 schools recruited every year.,</a:t>
+            </a:r>
+          </a:p>
+          <a:p>
+            <a:endParaRPr lang="en-US" baseline="0" dirty="0" smtClean="0"/>
           </a:p>
         </p:txBody>
       </p:sp>
@@ -521,7 +580,7 @@
             <a:spLocks noGrp="1"/>
           </p:cNvSpPr>
           <p:nvPr>
-            <p:ph type="sldNum" sz="quarter" idx="5"/>
+            <p:ph type="sldNum" sz="quarter" idx="10"/>
           </p:nvPr>
         </p:nvSpPr>
         <p:spPr/>
@@ -540,7 +599,7 @@
     </p:spTree>
     <p:extLst>
       <p:ext uri="{BB962C8B-B14F-4D97-AF65-F5344CB8AC3E}">
-        <p14:creationId xmlns:p14="http://schemas.microsoft.com/office/powerpoint/2010/main" val="2495979205"/>
+        <p14:creationId xmlns:p14="http://schemas.microsoft.com/office/powerpoint/2010/main" val="3998521209"/>
       </p:ext>
     </p:extLst>
   </p:cSld>
@@ -594,21 +653,52 @@
           <a:bodyPr/>
           <a:lstStyle/>
           <a:p>
-            <a:r>
-              <a:rPr lang="en-US" dirty="0"/>
-              <a:t>One of our biggest challenges early on was to figure out how we would generate participation behavior. </a:t>
-            </a:r>
-          </a:p>
-          <a:p>
-            <a:r>
-              <a:rPr lang="en-US" dirty="0"/>
-              <a:t>We settled on generating a “propensity participation score” using a simple linear transformation of covariates with a logit link.</a:t>
-            </a:r>
-          </a:p>
-          <a:p>
-            <a:r>
-              <a:rPr lang="en-US" dirty="0"/>
-              <a:t>To select parameters for the model we </a:t>
+            <a:pPr marL="0" marR="0" lvl="0" indent="0" algn="l" defTabSz="914400" rtl="0" eaLnBrk="1" fontAlgn="auto" latinLnBrk="0" hangingPunct="1">
+              <a:lnSpc>
+                <a:spcPct val="100000"/>
+              </a:lnSpc>
+              <a:spcBef>
+                <a:spcPts val="0"/>
+              </a:spcBef>
+              <a:spcAft>
+                <a:spcPts val="0"/>
+              </a:spcAft>
+              <a:buClrTx/>
+              <a:buSzTx/>
+              <a:buFontTx/>
+              <a:buNone/>
+              <a:tabLst/>
+              <a:defRPr/>
+            </a:pPr>
+            <a:r>
+              <a:rPr lang="en-US" i="0" baseline="0" dirty="0" smtClean="0"/>
+              <a:t>It quickly became apparent after the first couple of meetings with the recruitment team that my statistical ideals had no place in the cold hard reality of middle school recruitment. </a:t>
+            </a:r>
+            <a:r>
+              <a:rPr lang="en-US" dirty="0" smtClean="0"/>
+              <a:t>It</a:t>
+            </a:r>
+            <a:r>
+              <a:rPr lang="en-US" baseline="0" dirty="0" smtClean="0"/>
+              <a:t> turns out recruitment is hard. High priority schools wouldn’t always be clustered together. So the top 5 schools from a stratum might all be in 5 different States, which was impractical for logistical reasons. Or when they clustered we would have no relationships in the schools or districts. This was a problem because it turns out cold-calling isn’t highly effective.</a:t>
+            </a:r>
+          </a:p>
+          <a:p>
+            <a:endParaRPr lang="en-US" baseline="0" dirty="0" smtClean="0"/>
+          </a:p>
+          <a:p>
+            <a:r>
+              <a:rPr lang="en-US" baseline="0" dirty="0" smtClean="0"/>
+              <a:t>This was really unfortunate because the recruitment team had a really high level of buy in with the method, which is another advantage of SBS. They really understood it and understood why it would be effective.  They saw value in it.  But more than that they saw the value in recruiting 60 schools for a study that was powered for 60 schools. Because if we weren’t powered to detect a treatment effect this was no good for anyone. So our sampling design morphed into this stratified convenience sample hybrid.</a:t>
+            </a:r>
+          </a:p>
+          <a:p>
+            <a:endParaRPr lang="en-US" baseline="0" dirty="0" smtClean="0"/>
+          </a:p>
+          <a:p>
+            <a:r>
+              <a:rPr lang="en-US" baseline="0" dirty="0" smtClean="0"/>
+              <a:t>And this begged several questions. So I took my statistical ideals to where they could actually be realized, a simulation.</a:t>
             </a:r>
           </a:p>
         </p:txBody>
@@ -620,7 +710,7 @@
             <a:spLocks noGrp="1"/>
           </p:cNvSpPr>
           <p:nvPr>
-            <p:ph type="sldNum" sz="quarter" idx="5"/>
+            <p:ph type="sldNum" sz="quarter" idx="10"/>
           </p:nvPr>
         </p:nvSpPr>
         <p:spPr/>
@@ -639,7 +729,621 @@
     </p:spTree>
     <p:extLst>
       <p:ext uri="{BB962C8B-B14F-4D97-AF65-F5344CB8AC3E}">
+        <p14:creationId xmlns:p14="http://schemas.microsoft.com/office/powerpoint/2010/main" val="439397266"/>
+      </p:ext>
+    </p:extLst>
+  </p:cSld>
+  <p:clrMapOvr>
+    <a:masterClrMapping/>
+  </p:clrMapOvr>
+</p:notes>
+</file>
+
+<file path=ppt/notesSlides/notesSlide3.xml><?xml version="1.0" encoding="utf-8"?>
+<p:notes xmlns:a="http://schemas.openxmlformats.org/drawingml/2006/main" xmlns:r="http://schemas.openxmlformats.org/officeDocument/2006/relationships" xmlns:p="http://schemas.openxmlformats.org/presentationml/2006/main">
+  <p:cSld>
+    <p:spTree>
+      <p:nvGrpSpPr>
+        <p:cNvPr id="1" name=""/>
+        <p:cNvGrpSpPr/>
+        <p:nvPr/>
+      </p:nvGrpSpPr>
+      <p:grpSpPr>
+        <a:xfrm>
+          <a:off x="0" y="0"/>
+          <a:ext cx="0" cy="0"/>
+          <a:chOff x="0" y="0"/>
+          <a:chExt cx="0" cy="0"/>
+        </a:xfrm>
+      </p:grpSpPr>
+      <p:sp>
+        <p:nvSpPr>
+          <p:cNvPr id="2" name="Slide Image Placeholder 1"/>
+          <p:cNvSpPr>
+            <a:spLocks noGrp="1" noRot="1" noChangeAspect="1"/>
+          </p:cNvSpPr>
+          <p:nvPr>
+            <p:ph type="sldImg"/>
+          </p:nvPr>
+        </p:nvSpPr>
+        <p:spPr/>
+      </p:sp>
+      <p:sp>
+        <p:nvSpPr>
+          <p:cNvPr id="3" name="Notes Placeholder 2"/>
+          <p:cNvSpPr>
+            <a:spLocks noGrp="1"/>
+          </p:cNvSpPr>
+          <p:nvPr>
+            <p:ph type="body" idx="1"/>
+          </p:nvPr>
+        </p:nvSpPr>
+        <p:spPr/>
+        <p:txBody>
+          <a:bodyPr/>
+          <a:lstStyle/>
+          <a:p>
+            <a:pPr marL="0" marR="0" lvl="0" indent="0" algn="l" defTabSz="914400" rtl="0" eaLnBrk="1" fontAlgn="auto" latinLnBrk="0" hangingPunct="1">
+              <a:lnSpc>
+                <a:spcPct val="100000"/>
+              </a:lnSpc>
+              <a:spcBef>
+                <a:spcPts val="0"/>
+              </a:spcBef>
+              <a:spcAft>
+                <a:spcPts val="0"/>
+              </a:spcAft>
+              <a:buClrTx/>
+              <a:buSzTx/>
+              <a:buFontTx/>
+              <a:buNone/>
+              <a:tabLst/>
+              <a:defRPr/>
+            </a:pPr>
+            <a:r>
+              <a:rPr lang="en-US" dirty="0" smtClean="0"/>
+              <a:t>And so there was this tension between effectiveness and feasibility. </a:t>
+            </a:r>
+            <a:r>
+              <a:rPr lang="en-US" baseline="0" dirty="0" smtClean="0"/>
+              <a:t> Effectiveness refers to the ability to recruit a representative sample so that we can generalize the treatment effect beyond the sample. That’s our focus here: the subset of external validity that allows us to extrapolate treatment effects beyond the sample to some population.</a:t>
+            </a:r>
+            <a:endParaRPr lang="en-US" dirty="0" smtClean="0"/>
+          </a:p>
+          <a:p>
+            <a:endParaRPr lang="en-US" dirty="0" smtClean="0"/>
+          </a:p>
+          <a:p>
+            <a:r>
+              <a:rPr lang="en-US" dirty="0" smtClean="0"/>
+              <a:t>At the same time a method that resulted in a highly representative sample was no good to anyone if it couldn’t be implemented. So</a:t>
+            </a:r>
+            <a:r>
+              <a:rPr lang="en-US" baseline="0" dirty="0" smtClean="0"/>
+              <a:t> feasibility is really important as well. We already have a sampling method for this, probability sampling. Even a simple random sample should on average net you a representative sample (of schools that are willing to participate).</a:t>
+            </a:r>
+          </a:p>
+          <a:p>
+            <a:endParaRPr lang="en-US" baseline="0" dirty="0" smtClean="0"/>
+          </a:p>
+          <a:p>
+            <a:r>
+              <a:rPr lang="en-US" baseline="0" dirty="0" smtClean="0"/>
+              <a:t>But very few implant SRS at this scale because it’s costly. </a:t>
+            </a:r>
+            <a:endParaRPr lang="en-US" dirty="0"/>
+          </a:p>
+        </p:txBody>
+      </p:sp>
+      <p:sp>
+        <p:nvSpPr>
+          <p:cNvPr id="4" name="Slide Number Placeholder 3"/>
+          <p:cNvSpPr>
+            <a:spLocks noGrp="1"/>
+          </p:cNvSpPr>
+          <p:nvPr>
+            <p:ph type="sldNum" sz="quarter" idx="5"/>
+          </p:nvPr>
+        </p:nvSpPr>
+        <p:spPr/>
+        <p:txBody>
+          <a:bodyPr/>
+          <a:lstStyle/>
+          <a:p>
+            <a:fld id="{648A95C4-365F-497D-A176-C70E6A2CF8EA}" type="slidenum">
+              <a:rPr lang="en-US" smtClean="0"/>
+              <a:t>4</a:t>
+            </a:fld>
+            <a:endParaRPr lang="en-US"/>
+          </a:p>
+        </p:txBody>
+      </p:sp>
+    </p:spTree>
+    <p:extLst>
+      <p:ext uri="{BB962C8B-B14F-4D97-AF65-F5344CB8AC3E}">
+        <p14:creationId xmlns:p14="http://schemas.microsoft.com/office/powerpoint/2010/main" val="2495979205"/>
+      </p:ext>
+    </p:extLst>
+  </p:cSld>
+  <p:clrMapOvr>
+    <a:masterClrMapping/>
+  </p:clrMapOvr>
+</p:notes>
+</file>
+
+<file path=ppt/notesSlides/notesSlide4.xml><?xml version="1.0" encoding="utf-8"?>
+<p:notes xmlns:a="http://schemas.openxmlformats.org/drawingml/2006/main" xmlns:r="http://schemas.openxmlformats.org/officeDocument/2006/relationships" xmlns:p="http://schemas.openxmlformats.org/presentationml/2006/main">
+  <p:cSld>
+    <p:spTree>
+      <p:nvGrpSpPr>
+        <p:cNvPr id="1" name=""/>
+        <p:cNvGrpSpPr/>
+        <p:nvPr/>
+      </p:nvGrpSpPr>
+      <p:grpSpPr>
+        <a:xfrm>
+          <a:off x="0" y="0"/>
+          <a:ext cx="0" cy="0"/>
+          <a:chOff x="0" y="0"/>
+          <a:chExt cx="0" cy="0"/>
+        </a:xfrm>
+      </p:grpSpPr>
+      <p:sp>
+        <p:nvSpPr>
+          <p:cNvPr id="2" name="Slide Image Placeholder 1"/>
+          <p:cNvSpPr>
+            <a:spLocks noGrp="1" noRot="1" noChangeAspect="1"/>
+          </p:cNvSpPr>
+          <p:nvPr>
+            <p:ph type="sldImg"/>
+          </p:nvPr>
+        </p:nvSpPr>
+        <p:spPr/>
+      </p:sp>
+      <p:sp>
+        <p:nvSpPr>
+          <p:cNvPr id="3" name="Notes Placeholder 2"/>
+          <p:cNvSpPr>
+            <a:spLocks noGrp="1"/>
+          </p:cNvSpPr>
+          <p:nvPr>
+            <p:ph type="body" idx="1"/>
+          </p:nvPr>
+        </p:nvSpPr>
+        <p:spPr/>
+        <p:txBody>
+          <a:bodyPr/>
+          <a:lstStyle/>
+          <a:p>
+            <a:r>
+              <a:rPr lang="en-US" dirty="0" smtClean="0"/>
+              <a:t>So we set out to</a:t>
+            </a:r>
+            <a:r>
+              <a:rPr lang="en-US" baseline="0" dirty="0" smtClean="0"/>
+              <a:t> design a simulation study. We wanted to make it reasonably realistic, so we used real data to serve as our population frame. This covered approximately 10,000 elementary schools from 6 states.</a:t>
+            </a:r>
+          </a:p>
+          <a:p>
+            <a:endParaRPr lang="en-US" baseline="0" dirty="0" smtClean="0"/>
+          </a:p>
+          <a:p>
+            <a:r>
+              <a:rPr lang="en-US" baseline="0" dirty="0" smtClean="0"/>
+              <a:t>We wanted to mimic recruitment for a large-scale multi-site RCT, where the goal was to select a sample of 60 schools which would represent the population</a:t>
+            </a:r>
+          </a:p>
+          <a:p>
+            <a:endParaRPr lang="en-US" baseline="0" dirty="0" smtClean="0"/>
+          </a:p>
+          <a:p>
+            <a:r>
+              <a:rPr lang="en-US" baseline="0" dirty="0" smtClean="0"/>
+              <a:t>And finally we wanted to compare several sampling methods.</a:t>
+            </a:r>
+            <a:endParaRPr lang="en-US" dirty="0"/>
+          </a:p>
+        </p:txBody>
+      </p:sp>
+      <p:sp>
+        <p:nvSpPr>
+          <p:cNvPr id="4" name="Slide Number Placeholder 3"/>
+          <p:cNvSpPr>
+            <a:spLocks noGrp="1"/>
+          </p:cNvSpPr>
+          <p:nvPr>
+            <p:ph type="sldNum" sz="quarter" idx="10"/>
+          </p:nvPr>
+        </p:nvSpPr>
+        <p:spPr/>
+        <p:txBody>
+          <a:bodyPr/>
+          <a:lstStyle/>
+          <a:p>
+            <a:fld id="{648A95C4-365F-497D-A176-C70E6A2CF8EA}" type="slidenum">
+              <a:rPr lang="en-US" smtClean="0"/>
+              <a:t>5</a:t>
+            </a:fld>
+            <a:endParaRPr lang="en-US"/>
+          </a:p>
+        </p:txBody>
+      </p:sp>
+    </p:spTree>
+    <p:extLst>
+      <p:ext uri="{BB962C8B-B14F-4D97-AF65-F5344CB8AC3E}">
+        <p14:creationId xmlns:p14="http://schemas.microsoft.com/office/powerpoint/2010/main" val="3734444849"/>
+      </p:ext>
+    </p:extLst>
+  </p:cSld>
+  <p:clrMapOvr>
+    <a:masterClrMapping/>
+  </p:clrMapOvr>
+</p:notes>
+</file>
+
+<file path=ppt/notesSlides/notesSlide5.xml><?xml version="1.0" encoding="utf-8"?>
+<p:notes xmlns:a="http://schemas.openxmlformats.org/drawingml/2006/main" xmlns:r="http://schemas.openxmlformats.org/officeDocument/2006/relationships" xmlns:p="http://schemas.openxmlformats.org/presentationml/2006/main">
+  <p:cSld>
+    <p:spTree>
+      <p:nvGrpSpPr>
+        <p:cNvPr id="1" name=""/>
+        <p:cNvGrpSpPr/>
+        <p:nvPr/>
+      </p:nvGrpSpPr>
+      <p:grpSpPr>
+        <a:xfrm>
+          <a:off x="0" y="0"/>
+          <a:ext cx="0" cy="0"/>
+          <a:chOff x="0" y="0"/>
+          <a:chExt cx="0" cy="0"/>
+        </a:xfrm>
+      </p:grpSpPr>
+      <p:sp>
+        <p:nvSpPr>
+          <p:cNvPr id="2" name="Slide Image Placeholder 1"/>
+          <p:cNvSpPr>
+            <a:spLocks noGrp="1" noRot="1" noChangeAspect="1"/>
+          </p:cNvSpPr>
+          <p:nvPr>
+            <p:ph type="sldImg"/>
+          </p:nvPr>
+        </p:nvSpPr>
+        <p:spPr/>
+      </p:sp>
+      <p:sp>
+        <p:nvSpPr>
+          <p:cNvPr id="3" name="Notes Placeholder 2"/>
+          <p:cNvSpPr>
+            <a:spLocks noGrp="1"/>
+          </p:cNvSpPr>
+          <p:nvPr>
+            <p:ph type="body" idx="1"/>
+          </p:nvPr>
+        </p:nvSpPr>
+        <p:spPr/>
+        <p:txBody>
+          <a:bodyPr/>
+          <a:lstStyle/>
+          <a:p>
+            <a:r>
+              <a:rPr lang="en-US" dirty="0"/>
+              <a:t>One of our biggest challenges early on was to figure out how we would generate participation behavior. </a:t>
+            </a:r>
+            <a:r>
+              <a:rPr lang="en-US" dirty="0" smtClean="0"/>
+              <a:t>Schools</a:t>
+            </a:r>
+            <a:r>
+              <a:rPr lang="en-US" baseline="0" dirty="0" smtClean="0"/>
+              <a:t> and districts, of course, have the option of refusing to participate in RCTs, which they use liberally. But we weren’t sure what drives refusal or how to model that. </a:t>
+            </a:r>
+          </a:p>
+          <a:p>
+            <a:endParaRPr lang="en-US" baseline="0" dirty="0" smtClean="0"/>
+          </a:p>
+          <a:p>
+            <a:r>
+              <a:rPr lang="en-US" dirty="0" smtClean="0"/>
+              <a:t>We </a:t>
+            </a:r>
+            <a:r>
+              <a:rPr lang="en-US" dirty="0"/>
+              <a:t>settled on generating a </a:t>
+            </a:r>
+            <a:r>
+              <a:rPr lang="en-US" dirty="0" smtClean="0"/>
+              <a:t>“participation propensity score</a:t>
+            </a:r>
+            <a:r>
+              <a:rPr lang="en-US" dirty="0"/>
+              <a:t>” using a simple linear transformation of covariates with a logit </a:t>
+            </a:r>
+            <a:r>
+              <a:rPr lang="en-US" dirty="0" smtClean="0"/>
+              <a:t>link. This represents the </a:t>
+            </a:r>
+            <a:r>
+              <a:rPr lang="en-US" baseline="0" dirty="0" smtClean="0"/>
+              <a:t>probability that a site would participate in our hypothetical trial if we approached them for recruitment. </a:t>
+            </a:r>
+          </a:p>
+          <a:p>
+            <a:endParaRPr lang="en-US" baseline="0" dirty="0" smtClean="0"/>
+          </a:p>
+          <a:p>
+            <a:r>
+              <a:rPr lang="en-US" baseline="0" dirty="0" smtClean="0"/>
+              <a:t>Luckily not too long before we got started on this there was some work that examined the differences between the types of schools that participated in RCTs and the overall population. We used this study to inform the covariates in the participation model. </a:t>
+            </a:r>
+            <a:endParaRPr lang="en-US" dirty="0"/>
+          </a:p>
+        </p:txBody>
+      </p:sp>
+      <p:sp>
+        <p:nvSpPr>
+          <p:cNvPr id="4" name="Slide Number Placeholder 3"/>
+          <p:cNvSpPr>
+            <a:spLocks noGrp="1"/>
+          </p:cNvSpPr>
+          <p:nvPr>
+            <p:ph type="sldNum" sz="quarter" idx="5"/>
+          </p:nvPr>
+        </p:nvSpPr>
+        <p:spPr/>
+        <p:txBody>
+          <a:bodyPr/>
+          <a:lstStyle/>
+          <a:p>
+            <a:fld id="{648A95C4-365F-497D-A176-C70E6A2CF8EA}" type="slidenum">
+              <a:rPr lang="en-US" smtClean="0"/>
+              <a:t>6</a:t>
+            </a:fld>
+            <a:endParaRPr lang="en-US"/>
+          </a:p>
+        </p:txBody>
+      </p:sp>
+    </p:spTree>
+    <p:extLst>
+      <p:ext uri="{BB962C8B-B14F-4D97-AF65-F5344CB8AC3E}">
         <p14:creationId xmlns:p14="http://schemas.microsoft.com/office/powerpoint/2010/main" val="2744226923"/>
+      </p:ext>
+    </p:extLst>
+  </p:cSld>
+  <p:clrMapOvr>
+    <a:masterClrMapping/>
+  </p:clrMapOvr>
+</p:notes>
+</file>
+
+<file path=ppt/notesSlides/notesSlide6.xml><?xml version="1.0" encoding="utf-8"?>
+<p:notes xmlns:a="http://schemas.openxmlformats.org/drawingml/2006/main" xmlns:r="http://schemas.openxmlformats.org/officeDocument/2006/relationships" xmlns:p="http://schemas.openxmlformats.org/presentationml/2006/main">
+  <p:cSld>
+    <p:spTree>
+      <p:nvGrpSpPr>
+        <p:cNvPr id="1" name=""/>
+        <p:cNvGrpSpPr/>
+        <p:nvPr/>
+      </p:nvGrpSpPr>
+      <p:grpSpPr>
+        <a:xfrm>
+          <a:off x="0" y="0"/>
+          <a:ext cx="0" cy="0"/>
+          <a:chOff x="0" y="0"/>
+          <a:chExt cx="0" cy="0"/>
+        </a:xfrm>
+      </p:grpSpPr>
+      <p:sp>
+        <p:nvSpPr>
+          <p:cNvPr id="2" name="Slide Image Placeholder 1"/>
+          <p:cNvSpPr>
+            <a:spLocks noGrp="1" noRot="1" noChangeAspect="1"/>
+          </p:cNvSpPr>
+          <p:nvPr>
+            <p:ph type="sldImg"/>
+          </p:nvPr>
+        </p:nvSpPr>
+        <p:spPr/>
+      </p:sp>
+      <p:sp>
+        <p:nvSpPr>
+          <p:cNvPr id="3" name="Notes Placeholder 2"/>
+          <p:cNvSpPr>
+            <a:spLocks noGrp="1"/>
+          </p:cNvSpPr>
+          <p:nvPr>
+            <p:ph type="body" idx="1"/>
+          </p:nvPr>
+        </p:nvSpPr>
+        <p:spPr/>
+        <p:txBody>
+          <a:bodyPr/>
+          <a:lstStyle/>
+          <a:p>
+            <a:endParaRPr lang="en-US" baseline="0" dirty="0" smtClean="0"/>
+          </a:p>
+          <a:p>
+            <a:endParaRPr lang="en-US" dirty="0"/>
+          </a:p>
+        </p:txBody>
+      </p:sp>
+      <p:sp>
+        <p:nvSpPr>
+          <p:cNvPr id="4" name="Slide Number Placeholder 3"/>
+          <p:cNvSpPr>
+            <a:spLocks noGrp="1"/>
+          </p:cNvSpPr>
+          <p:nvPr>
+            <p:ph type="sldNum" sz="quarter" idx="10"/>
+          </p:nvPr>
+        </p:nvSpPr>
+        <p:spPr/>
+        <p:txBody>
+          <a:bodyPr/>
+          <a:lstStyle/>
+          <a:p>
+            <a:fld id="{648A95C4-365F-497D-A176-C70E6A2CF8EA}" type="slidenum">
+              <a:rPr lang="en-US" smtClean="0"/>
+              <a:t>7</a:t>
+            </a:fld>
+            <a:endParaRPr lang="en-US"/>
+          </a:p>
+        </p:txBody>
+      </p:sp>
+    </p:spTree>
+    <p:extLst>
+      <p:ext uri="{BB962C8B-B14F-4D97-AF65-F5344CB8AC3E}">
+        <p14:creationId xmlns:p14="http://schemas.microsoft.com/office/powerpoint/2010/main" val="3440100079"/>
+      </p:ext>
+    </p:extLst>
+  </p:cSld>
+  <p:clrMapOvr>
+    <a:masterClrMapping/>
+  </p:clrMapOvr>
+</p:notes>
+</file>
+
+<file path=ppt/notesSlides/notesSlide7.xml><?xml version="1.0" encoding="utf-8"?>
+<p:notes xmlns:a="http://schemas.openxmlformats.org/drawingml/2006/main" xmlns:r="http://schemas.openxmlformats.org/officeDocument/2006/relationships" xmlns:p="http://schemas.openxmlformats.org/presentationml/2006/main">
+  <p:cSld>
+    <p:spTree>
+      <p:nvGrpSpPr>
+        <p:cNvPr id="1" name=""/>
+        <p:cNvGrpSpPr/>
+        <p:nvPr/>
+      </p:nvGrpSpPr>
+      <p:grpSpPr>
+        <a:xfrm>
+          <a:off x="0" y="0"/>
+          <a:ext cx="0" cy="0"/>
+          <a:chOff x="0" y="0"/>
+          <a:chExt cx="0" cy="0"/>
+        </a:xfrm>
+      </p:grpSpPr>
+      <p:sp>
+        <p:nvSpPr>
+          <p:cNvPr id="2" name="Slide Image Placeholder 1"/>
+          <p:cNvSpPr>
+            <a:spLocks noGrp="1" noRot="1" noChangeAspect="1"/>
+          </p:cNvSpPr>
+          <p:nvPr>
+            <p:ph type="sldImg"/>
+          </p:nvPr>
+        </p:nvSpPr>
+        <p:spPr/>
+      </p:sp>
+      <p:sp>
+        <p:nvSpPr>
+          <p:cNvPr id="3" name="Notes Placeholder 2"/>
+          <p:cNvSpPr>
+            <a:spLocks noGrp="1"/>
+          </p:cNvSpPr>
+          <p:nvPr>
+            <p:ph type="body" idx="1"/>
+          </p:nvPr>
+        </p:nvSpPr>
+        <p:spPr/>
+        <p:txBody>
+          <a:bodyPr/>
+          <a:lstStyle/>
+          <a:p>
+            <a:pPr marL="0" marR="0" lvl="0" indent="0" algn="l" defTabSz="914400" rtl="0" eaLnBrk="1" fontAlgn="auto" latinLnBrk="0" hangingPunct="1">
+              <a:lnSpc>
+                <a:spcPct val="100000"/>
+              </a:lnSpc>
+              <a:spcBef>
+                <a:spcPts val="0"/>
+              </a:spcBef>
+              <a:spcAft>
+                <a:spcPts val="0"/>
+              </a:spcAft>
+              <a:buClrTx/>
+              <a:buSzTx/>
+              <a:buFontTx/>
+              <a:buNone/>
+              <a:tabLst/>
+              <a:defRPr/>
+            </a:pPr>
+            <a:r>
+              <a:rPr lang="en-US" baseline="0" dirty="0" smtClean="0"/>
+              <a:t>We then iterated across values of coefficients until our sample on average differed from our population in similar ways that were reported in the study.</a:t>
+            </a:r>
+          </a:p>
+          <a:p>
+            <a:pPr marL="0" marR="0" lvl="0" indent="0" algn="l" defTabSz="914400" rtl="0" eaLnBrk="1" fontAlgn="auto" latinLnBrk="0" hangingPunct="1">
+              <a:lnSpc>
+                <a:spcPct val="100000"/>
+              </a:lnSpc>
+              <a:spcBef>
+                <a:spcPts val="0"/>
+              </a:spcBef>
+              <a:spcAft>
+                <a:spcPts val="0"/>
+              </a:spcAft>
+              <a:buClrTx/>
+              <a:buSzTx/>
+              <a:buFontTx/>
+              <a:buNone/>
+              <a:tabLst/>
+              <a:defRPr/>
+            </a:pPr>
+            <a:endParaRPr lang="en-US" baseline="0" dirty="0" smtClean="0"/>
+          </a:p>
+          <a:p>
+            <a:pPr marL="0" marR="0" lvl="0" indent="0" algn="l" defTabSz="914400" rtl="0" eaLnBrk="1" fontAlgn="auto" latinLnBrk="0" hangingPunct="1">
+              <a:lnSpc>
+                <a:spcPct val="100000"/>
+              </a:lnSpc>
+              <a:spcBef>
+                <a:spcPts val="0"/>
+              </a:spcBef>
+              <a:spcAft>
+                <a:spcPts val="0"/>
+              </a:spcAft>
+              <a:buClrTx/>
+              <a:buSzTx/>
+              <a:buFontTx/>
+              <a:buNone/>
+              <a:tabLst/>
+              <a:defRPr/>
+            </a:pPr>
+            <a:r>
+              <a:rPr lang="en-US" baseline="0" dirty="0" smtClean="0"/>
+              <a:t>The other unknown was what the overall participation rate in the population should be. So on average, what proportion of the population of schools is willing to participate in an RCT. </a:t>
+            </a:r>
+            <a:endParaRPr lang="en-US" dirty="0" smtClean="0"/>
+          </a:p>
+          <a:p>
+            <a:endParaRPr lang="en-US" dirty="0"/>
+          </a:p>
+        </p:txBody>
+      </p:sp>
+      <p:sp>
+        <p:nvSpPr>
+          <p:cNvPr id="4" name="Slide Number Placeholder 3"/>
+          <p:cNvSpPr>
+            <a:spLocks noGrp="1"/>
+          </p:cNvSpPr>
+          <p:nvPr>
+            <p:ph type="sldNum" sz="quarter" idx="10"/>
+          </p:nvPr>
+        </p:nvSpPr>
+        <p:spPr/>
+        <p:txBody>
+          <a:bodyPr/>
+          <a:lstStyle/>
+          <a:p>
+            <a:fld id="{648A95C4-365F-497D-A176-C70E6A2CF8EA}" type="slidenum">
+              <a:rPr lang="en-US" smtClean="0"/>
+              <a:t>8</a:t>
+            </a:fld>
+            <a:endParaRPr lang="en-US"/>
+          </a:p>
+        </p:txBody>
+      </p:sp>
+    </p:spTree>
+    <p:extLst>
+      <p:ext uri="{BB962C8B-B14F-4D97-AF65-F5344CB8AC3E}">
+        <p14:creationId xmlns:p14="http://schemas.microsoft.com/office/powerpoint/2010/main" val="2674409508"/>
       </p:ext>
     </p:extLst>
   </p:cSld>
@@ -671,7 +1375,7 @@
           <p:cNvPr id="2" name="Title 1">
             <a:extLst>
               <a:ext uri="{FF2B5EF4-FFF2-40B4-BE49-F238E27FC236}">
-                <a16:creationId xmlns:a16="http://schemas.microsoft.com/office/drawing/2014/main" id="{B619740A-7E2D-472D-852C-F280C101E880}"/>
+                <a16:creationId xmlns:a16="http://schemas.microsoft.com/office/drawing/2014/main" xmlns="" id="{B619740A-7E2D-472D-852C-F280C101E880}"/>
               </a:ext>
             </a:extLst>
           </p:cNvPr>
@@ -708,7 +1412,7 @@
           <p:cNvPr id="3" name="Subtitle 2">
             <a:extLst>
               <a:ext uri="{FF2B5EF4-FFF2-40B4-BE49-F238E27FC236}">
-                <a16:creationId xmlns:a16="http://schemas.microsoft.com/office/drawing/2014/main" id="{9AE232A5-ACD3-43A8-8199-2B0120F1072F}"/>
+                <a16:creationId xmlns:a16="http://schemas.microsoft.com/office/drawing/2014/main" xmlns="" id="{9AE232A5-ACD3-43A8-8199-2B0120F1072F}"/>
               </a:ext>
             </a:extLst>
           </p:cNvPr>
@@ -778,7 +1482,7 @@
           <p:cNvPr id="4" name="Date Placeholder 3">
             <a:extLst>
               <a:ext uri="{FF2B5EF4-FFF2-40B4-BE49-F238E27FC236}">
-                <a16:creationId xmlns:a16="http://schemas.microsoft.com/office/drawing/2014/main" id="{5123B808-D2A4-45BC-8F97-4732E652964D}"/>
+                <a16:creationId xmlns:a16="http://schemas.microsoft.com/office/drawing/2014/main" xmlns="" id="{5123B808-D2A4-45BC-8F97-4732E652964D}"/>
               </a:ext>
             </a:extLst>
           </p:cNvPr>
@@ -796,7 +1500,7 @@
           <a:p>
             <a:fld id="{206D4201-52E4-48CE-872C-4D9132B6B8E6}" type="datetimeFigureOut">
               <a:rPr lang="en-US" smtClean="0"/>
-              <a:t>2/25/2019</a:t>
+              <a:t>2/26/2019</a:t>
             </a:fld>
             <a:endParaRPr lang="en-US"/>
           </a:p>
@@ -807,7 +1511,7 @@
           <p:cNvPr id="5" name="Footer Placeholder 4">
             <a:extLst>
               <a:ext uri="{FF2B5EF4-FFF2-40B4-BE49-F238E27FC236}">
-                <a16:creationId xmlns:a16="http://schemas.microsoft.com/office/drawing/2014/main" id="{74D731AF-3BE8-478C-84FF-BD0F644A5C95}"/>
+                <a16:creationId xmlns:a16="http://schemas.microsoft.com/office/drawing/2014/main" xmlns="" id="{74D731AF-3BE8-478C-84FF-BD0F644A5C95}"/>
               </a:ext>
             </a:extLst>
           </p:cNvPr>
@@ -832,7 +1536,7 @@
           <p:cNvPr id="6" name="Slide Number Placeholder 5">
             <a:extLst>
               <a:ext uri="{FF2B5EF4-FFF2-40B4-BE49-F238E27FC236}">
-                <a16:creationId xmlns:a16="http://schemas.microsoft.com/office/drawing/2014/main" id="{95238CF7-A78E-4A36-94E8-A6F517060374}"/>
+                <a16:creationId xmlns:a16="http://schemas.microsoft.com/office/drawing/2014/main" xmlns="" id="{95238CF7-A78E-4A36-94E8-A6F517060374}"/>
               </a:ext>
             </a:extLst>
           </p:cNvPr>
@@ -891,7 +1595,7 @@
           <p:cNvPr id="2" name="Title 1">
             <a:extLst>
               <a:ext uri="{FF2B5EF4-FFF2-40B4-BE49-F238E27FC236}">
-                <a16:creationId xmlns:a16="http://schemas.microsoft.com/office/drawing/2014/main" id="{DA46E8F0-B838-4466-ACF6-2DAD801EF986}"/>
+                <a16:creationId xmlns:a16="http://schemas.microsoft.com/office/drawing/2014/main" xmlns="" id="{DA46E8F0-B838-4466-ACF6-2DAD801EF986}"/>
               </a:ext>
             </a:extLst>
           </p:cNvPr>
@@ -919,7 +1623,7 @@
           <p:cNvPr id="3" name="Vertical Text Placeholder 2">
             <a:extLst>
               <a:ext uri="{FF2B5EF4-FFF2-40B4-BE49-F238E27FC236}">
-                <a16:creationId xmlns:a16="http://schemas.microsoft.com/office/drawing/2014/main" id="{12AF8529-C429-41D1-A7C5-B5C22CC42086}"/>
+                <a16:creationId xmlns:a16="http://schemas.microsoft.com/office/drawing/2014/main" xmlns="" id="{12AF8529-C429-41D1-A7C5-B5C22CC42086}"/>
               </a:ext>
             </a:extLst>
           </p:cNvPr>
@@ -976,7 +1680,7 @@
           <p:cNvPr id="4" name="Date Placeholder 3">
             <a:extLst>
               <a:ext uri="{FF2B5EF4-FFF2-40B4-BE49-F238E27FC236}">
-                <a16:creationId xmlns:a16="http://schemas.microsoft.com/office/drawing/2014/main" id="{0D1A5D6F-2EF2-4623-BDCA-0B6678D83B78}"/>
+                <a16:creationId xmlns:a16="http://schemas.microsoft.com/office/drawing/2014/main" xmlns="" id="{0D1A5D6F-2EF2-4623-BDCA-0B6678D83B78}"/>
               </a:ext>
             </a:extLst>
           </p:cNvPr>
@@ -994,7 +1698,7 @@
           <a:p>
             <a:fld id="{206D4201-52E4-48CE-872C-4D9132B6B8E6}" type="datetimeFigureOut">
               <a:rPr lang="en-US" smtClean="0"/>
-              <a:t>2/25/2019</a:t>
+              <a:t>2/26/2019</a:t>
             </a:fld>
             <a:endParaRPr lang="en-US"/>
           </a:p>
@@ -1005,7 +1709,7 @@
           <p:cNvPr id="5" name="Footer Placeholder 4">
             <a:extLst>
               <a:ext uri="{FF2B5EF4-FFF2-40B4-BE49-F238E27FC236}">
-                <a16:creationId xmlns:a16="http://schemas.microsoft.com/office/drawing/2014/main" id="{CDBFA810-D421-476F-A19E-7075F28B5754}"/>
+                <a16:creationId xmlns:a16="http://schemas.microsoft.com/office/drawing/2014/main" xmlns="" id="{CDBFA810-D421-476F-A19E-7075F28B5754}"/>
               </a:ext>
             </a:extLst>
           </p:cNvPr>
@@ -1030,7 +1734,7 @@
           <p:cNvPr id="6" name="Slide Number Placeholder 5">
             <a:extLst>
               <a:ext uri="{FF2B5EF4-FFF2-40B4-BE49-F238E27FC236}">
-                <a16:creationId xmlns:a16="http://schemas.microsoft.com/office/drawing/2014/main" id="{576FA268-A321-46CC-A997-865D9F5E633B}"/>
+                <a16:creationId xmlns:a16="http://schemas.microsoft.com/office/drawing/2014/main" xmlns="" id="{576FA268-A321-46CC-A997-865D9F5E633B}"/>
               </a:ext>
             </a:extLst>
           </p:cNvPr>
@@ -1089,7 +1793,7 @@
           <p:cNvPr id="2" name="Vertical Title 1">
             <a:extLst>
               <a:ext uri="{FF2B5EF4-FFF2-40B4-BE49-F238E27FC236}">
-                <a16:creationId xmlns:a16="http://schemas.microsoft.com/office/drawing/2014/main" id="{AAC61CFD-2FFF-42F5-A858-8B01954E30FA}"/>
+                <a16:creationId xmlns:a16="http://schemas.microsoft.com/office/drawing/2014/main" xmlns="" id="{AAC61CFD-2FFF-42F5-A858-8B01954E30FA}"/>
               </a:ext>
             </a:extLst>
           </p:cNvPr>
@@ -1122,7 +1826,7 @@
           <p:cNvPr id="3" name="Vertical Text Placeholder 2">
             <a:extLst>
               <a:ext uri="{FF2B5EF4-FFF2-40B4-BE49-F238E27FC236}">
-                <a16:creationId xmlns:a16="http://schemas.microsoft.com/office/drawing/2014/main" id="{0281745A-FC99-42F0-99CA-51EC0373D150}"/>
+                <a16:creationId xmlns:a16="http://schemas.microsoft.com/office/drawing/2014/main" xmlns="" id="{0281745A-FC99-42F0-99CA-51EC0373D150}"/>
               </a:ext>
             </a:extLst>
           </p:cNvPr>
@@ -1184,7 +1888,7 @@
           <p:cNvPr id="4" name="Date Placeholder 3">
             <a:extLst>
               <a:ext uri="{FF2B5EF4-FFF2-40B4-BE49-F238E27FC236}">
-                <a16:creationId xmlns:a16="http://schemas.microsoft.com/office/drawing/2014/main" id="{69F8E62B-D5D5-4C60-BDAE-BCCA5F857247}"/>
+                <a16:creationId xmlns:a16="http://schemas.microsoft.com/office/drawing/2014/main" xmlns="" id="{69F8E62B-D5D5-4C60-BDAE-BCCA5F857247}"/>
               </a:ext>
             </a:extLst>
           </p:cNvPr>
@@ -1202,7 +1906,7 @@
           <a:p>
             <a:fld id="{206D4201-52E4-48CE-872C-4D9132B6B8E6}" type="datetimeFigureOut">
               <a:rPr lang="en-US" smtClean="0"/>
-              <a:t>2/25/2019</a:t>
+              <a:t>2/26/2019</a:t>
             </a:fld>
             <a:endParaRPr lang="en-US"/>
           </a:p>
@@ -1213,7 +1917,7 @@
           <p:cNvPr id="5" name="Footer Placeholder 4">
             <a:extLst>
               <a:ext uri="{FF2B5EF4-FFF2-40B4-BE49-F238E27FC236}">
-                <a16:creationId xmlns:a16="http://schemas.microsoft.com/office/drawing/2014/main" id="{1B4B468D-DE57-46D6-A738-A5E4EC71BC3A}"/>
+                <a16:creationId xmlns:a16="http://schemas.microsoft.com/office/drawing/2014/main" xmlns="" id="{1B4B468D-DE57-46D6-A738-A5E4EC71BC3A}"/>
               </a:ext>
             </a:extLst>
           </p:cNvPr>
@@ -1238,7 +1942,7 @@
           <p:cNvPr id="6" name="Slide Number Placeholder 5">
             <a:extLst>
               <a:ext uri="{FF2B5EF4-FFF2-40B4-BE49-F238E27FC236}">
-                <a16:creationId xmlns:a16="http://schemas.microsoft.com/office/drawing/2014/main" id="{EBAE14FC-E3EF-4A75-AB88-44AA8FAAAFDF}"/>
+                <a16:creationId xmlns:a16="http://schemas.microsoft.com/office/drawing/2014/main" xmlns="" id="{EBAE14FC-E3EF-4A75-AB88-44AA8FAAAFDF}"/>
               </a:ext>
             </a:extLst>
           </p:cNvPr>
@@ -1297,7 +2001,7 @@
           <p:cNvPr id="2" name="Title 1">
             <a:extLst>
               <a:ext uri="{FF2B5EF4-FFF2-40B4-BE49-F238E27FC236}">
-                <a16:creationId xmlns:a16="http://schemas.microsoft.com/office/drawing/2014/main" id="{FCD0BBC5-7C62-4EEA-9E75-93A3EE32516F}"/>
+                <a16:creationId xmlns:a16="http://schemas.microsoft.com/office/drawing/2014/main" xmlns="" id="{FCD0BBC5-7C62-4EEA-9E75-93A3EE32516F}"/>
               </a:ext>
             </a:extLst>
           </p:cNvPr>
@@ -1325,7 +2029,7 @@
           <p:cNvPr id="3" name="Content Placeholder 2">
             <a:extLst>
               <a:ext uri="{FF2B5EF4-FFF2-40B4-BE49-F238E27FC236}">
-                <a16:creationId xmlns:a16="http://schemas.microsoft.com/office/drawing/2014/main" id="{521E2D19-42EE-4012-B174-EFE94C642141}"/>
+                <a16:creationId xmlns:a16="http://schemas.microsoft.com/office/drawing/2014/main" xmlns="" id="{521E2D19-42EE-4012-B174-EFE94C642141}"/>
               </a:ext>
             </a:extLst>
           </p:cNvPr>
@@ -1382,7 +2086,7 @@
           <p:cNvPr id="4" name="Date Placeholder 3">
             <a:extLst>
               <a:ext uri="{FF2B5EF4-FFF2-40B4-BE49-F238E27FC236}">
-                <a16:creationId xmlns:a16="http://schemas.microsoft.com/office/drawing/2014/main" id="{E5A2B459-4FCE-4B4D-BB03-4EA9C7F6DBBC}"/>
+                <a16:creationId xmlns:a16="http://schemas.microsoft.com/office/drawing/2014/main" xmlns="" id="{E5A2B459-4FCE-4B4D-BB03-4EA9C7F6DBBC}"/>
               </a:ext>
             </a:extLst>
           </p:cNvPr>
@@ -1400,7 +2104,7 @@
           <a:p>
             <a:fld id="{206D4201-52E4-48CE-872C-4D9132B6B8E6}" type="datetimeFigureOut">
               <a:rPr lang="en-US" smtClean="0"/>
-              <a:t>2/25/2019</a:t>
+              <a:t>2/26/2019</a:t>
             </a:fld>
             <a:endParaRPr lang="en-US"/>
           </a:p>
@@ -1411,7 +2115,7 @@
           <p:cNvPr id="5" name="Footer Placeholder 4">
             <a:extLst>
               <a:ext uri="{FF2B5EF4-FFF2-40B4-BE49-F238E27FC236}">
-                <a16:creationId xmlns:a16="http://schemas.microsoft.com/office/drawing/2014/main" id="{310BE709-719D-4F1E-BDA4-896DAC0D23BD}"/>
+                <a16:creationId xmlns:a16="http://schemas.microsoft.com/office/drawing/2014/main" xmlns="" id="{310BE709-719D-4F1E-BDA4-896DAC0D23BD}"/>
               </a:ext>
             </a:extLst>
           </p:cNvPr>
@@ -1436,7 +2140,7 @@
           <p:cNvPr id="6" name="Slide Number Placeholder 5">
             <a:extLst>
               <a:ext uri="{FF2B5EF4-FFF2-40B4-BE49-F238E27FC236}">
-                <a16:creationId xmlns:a16="http://schemas.microsoft.com/office/drawing/2014/main" id="{0B3ED39B-07CC-4459-AAB3-6086B41826E2}"/>
+                <a16:creationId xmlns:a16="http://schemas.microsoft.com/office/drawing/2014/main" xmlns="" id="{0B3ED39B-07CC-4459-AAB3-6086B41826E2}"/>
               </a:ext>
             </a:extLst>
           </p:cNvPr>
@@ -1495,7 +2199,7 @@
           <p:cNvPr id="2" name="Title 1">
             <a:extLst>
               <a:ext uri="{FF2B5EF4-FFF2-40B4-BE49-F238E27FC236}">
-                <a16:creationId xmlns:a16="http://schemas.microsoft.com/office/drawing/2014/main" id="{A5F3E912-B48D-4DD6-ACC1-582FC5263E3B}"/>
+                <a16:creationId xmlns:a16="http://schemas.microsoft.com/office/drawing/2014/main" xmlns="" id="{A5F3E912-B48D-4DD6-ACC1-582FC5263E3B}"/>
               </a:ext>
             </a:extLst>
           </p:cNvPr>
@@ -1532,7 +2236,7 @@
           <p:cNvPr id="3" name="Text Placeholder 2">
             <a:extLst>
               <a:ext uri="{FF2B5EF4-FFF2-40B4-BE49-F238E27FC236}">
-                <a16:creationId xmlns:a16="http://schemas.microsoft.com/office/drawing/2014/main" id="{31845BC4-000D-499D-8F50-2C9D4C27DB8A}"/>
+                <a16:creationId xmlns:a16="http://schemas.microsoft.com/office/drawing/2014/main" xmlns="" id="{31845BC4-000D-499D-8F50-2C9D4C27DB8A}"/>
               </a:ext>
             </a:extLst>
           </p:cNvPr>
@@ -1657,7 +2361,7 @@
           <p:cNvPr id="4" name="Date Placeholder 3">
             <a:extLst>
               <a:ext uri="{FF2B5EF4-FFF2-40B4-BE49-F238E27FC236}">
-                <a16:creationId xmlns:a16="http://schemas.microsoft.com/office/drawing/2014/main" id="{11A3B501-C53C-46B7-BF6B-863266269155}"/>
+                <a16:creationId xmlns:a16="http://schemas.microsoft.com/office/drawing/2014/main" xmlns="" id="{11A3B501-C53C-46B7-BF6B-863266269155}"/>
               </a:ext>
             </a:extLst>
           </p:cNvPr>
@@ -1675,7 +2379,7 @@
           <a:p>
             <a:fld id="{206D4201-52E4-48CE-872C-4D9132B6B8E6}" type="datetimeFigureOut">
               <a:rPr lang="en-US" smtClean="0"/>
-              <a:t>2/25/2019</a:t>
+              <a:t>2/26/2019</a:t>
             </a:fld>
             <a:endParaRPr lang="en-US"/>
           </a:p>
@@ -1686,7 +2390,7 @@
           <p:cNvPr id="5" name="Footer Placeholder 4">
             <a:extLst>
               <a:ext uri="{FF2B5EF4-FFF2-40B4-BE49-F238E27FC236}">
-                <a16:creationId xmlns:a16="http://schemas.microsoft.com/office/drawing/2014/main" id="{D39647BF-E157-4178-92FC-DB2943F58A8E}"/>
+                <a16:creationId xmlns:a16="http://schemas.microsoft.com/office/drawing/2014/main" xmlns="" id="{D39647BF-E157-4178-92FC-DB2943F58A8E}"/>
               </a:ext>
             </a:extLst>
           </p:cNvPr>
@@ -1711,7 +2415,7 @@
           <p:cNvPr id="6" name="Slide Number Placeholder 5">
             <a:extLst>
               <a:ext uri="{FF2B5EF4-FFF2-40B4-BE49-F238E27FC236}">
-                <a16:creationId xmlns:a16="http://schemas.microsoft.com/office/drawing/2014/main" id="{09631D84-FDA8-4FF8-89C9-798489710A56}"/>
+                <a16:creationId xmlns:a16="http://schemas.microsoft.com/office/drawing/2014/main" xmlns="" id="{09631D84-FDA8-4FF8-89C9-798489710A56}"/>
               </a:ext>
             </a:extLst>
           </p:cNvPr>
@@ -1770,7 +2474,7 @@
           <p:cNvPr id="2" name="Title 1">
             <a:extLst>
               <a:ext uri="{FF2B5EF4-FFF2-40B4-BE49-F238E27FC236}">
-                <a16:creationId xmlns:a16="http://schemas.microsoft.com/office/drawing/2014/main" id="{756A2E80-0941-42AB-926C-B9FC18EA4BA5}"/>
+                <a16:creationId xmlns:a16="http://schemas.microsoft.com/office/drawing/2014/main" xmlns="" id="{756A2E80-0941-42AB-926C-B9FC18EA4BA5}"/>
               </a:ext>
             </a:extLst>
           </p:cNvPr>
@@ -1798,7 +2502,7 @@
           <p:cNvPr id="3" name="Content Placeholder 2">
             <a:extLst>
               <a:ext uri="{FF2B5EF4-FFF2-40B4-BE49-F238E27FC236}">
-                <a16:creationId xmlns:a16="http://schemas.microsoft.com/office/drawing/2014/main" id="{1580A149-5FBF-4494-A103-224E93AA780A}"/>
+                <a16:creationId xmlns:a16="http://schemas.microsoft.com/office/drawing/2014/main" xmlns="" id="{1580A149-5FBF-4494-A103-224E93AA780A}"/>
               </a:ext>
             </a:extLst>
           </p:cNvPr>
@@ -1860,7 +2564,7 @@
           <p:cNvPr id="4" name="Content Placeholder 3">
             <a:extLst>
               <a:ext uri="{FF2B5EF4-FFF2-40B4-BE49-F238E27FC236}">
-                <a16:creationId xmlns:a16="http://schemas.microsoft.com/office/drawing/2014/main" id="{73CBA72C-FF1F-436F-A5F5-D8551228ACDE}"/>
+                <a16:creationId xmlns:a16="http://schemas.microsoft.com/office/drawing/2014/main" xmlns="" id="{73CBA72C-FF1F-436F-A5F5-D8551228ACDE}"/>
               </a:ext>
             </a:extLst>
           </p:cNvPr>
@@ -1922,7 +2626,7 @@
           <p:cNvPr id="5" name="Date Placeholder 4">
             <a:extLst>
               <a:ext uri="{FF2B5EF4-FFF2-40B4-BE49-F238E27FC236}">
-                <a16:creationId xmlns:a16="http://schemas.microsoft.com/office/drawing/2014/main" id="{041FA67D-A69C-4563-80C4-2B976BC9F53E}"/>
+                <a16:creationId xmlns:a16="http://schemas.microsoft.com/office/drawing/2014/main" xmlns="" id="{041FA67D-A69C-4563-80C4-2B976BC9F53E}"/>
               </a:ext>
             </a:extLst>
           </p:cNvPr>
@@ -1940,7 +2644,7 @@
           <a:p>
             <a:fld id="{206D4201-52E4-48CE-872C-4D9132B6B8E6}" type="datetimeFigureOut">
               <a:rPr lang="en-US" smtClean="0"/>
-              <a:t>2/25/2019</a:t>
+              <a:t>2/26/2019</a:t>
             </a:fld>
             <a:endParaRPr lang="en-US"/>
           </a:p>
@@ -1951,7 +2655,7 @@
           <p:cNvPr id="6" name="Footer Placeholder 5">
             <a:extLst>
               <a:ext uri="{FF2B5EF4-FFF2-40B4-BE49-F238E27FC236}">
-                <a16:creationId xmlns:a16="http://schemas.microsoft.com/office/drawing/2014/main" id="{3352DFD6-2719-47E9-9CCB-EAD110925480}"/>
+                <a16:creationId xmlns:a16="http://schemas.microsoft.com/office/drawing/2014/main" xmlns="" id="{3352DFD6-2719-47E9-9CCB-EAD110925480}"/>
               </a:ext>
             </a:extLst>
           </p:cNvPr>
@@ -1976,7 +2680,7 @@
           <p:cNvPr id="7" name="Slide Number Placeholder 6">
             <a:extLst>
               <a:ext uri="{FF2B5EF4-FFF2-40B4-BE49-F238E27FC236}">
-                <a16:creationId xmlns:a16="http://schemas.microsoft.com/office/drawing/2014/main" id="{B34CE5FB-C3E3-4D09-B354-9C0E2DC27A15}"/>
+                <a16:creationId xmlns:a16="http://schemas.microsoft.com/office/drawing/2014/main" xmlns="" id="{B34CE5FB-C3E3-4D09-B354-9C0E2DC27A15}"/>
               </a:ext>
             </a:extLst>
           </p:cNvPr>
@@ -2035,7 +2739,7 @@
           <p:cNvPr id="2" name="Title 1">
             <a:extLst>
               <a:ext uri="{FF2B5EF4-FFF2-40B4-BE49-F238E27FC236}">
-                <a16:creationId xmlns:a16="http://schemas.microsoft.com/office/drawing/2014/main" id="{71DE7AC1-72EA-4BC3-B527-75AF6FBBD258}"/>
+                <a16:creationId xmlns:a16="http://schemas.microsoft.com/office/drawing/2014/main" xmlns="" id="{71DE7AC1-72EA-4BC3-B527-75AF6FBBD258}"/>
               </a:ext>
             </a:extLst>
           </p:cNvPr>
@@ -2068,7 +2772,7 @@
           <p:cNvPr id="3" name="Text Placeholder 2">
             <a:extLst>
               <a:ext uri="{FF2B5EF4-FFF2-40B4-BE49-F238E27FC236}">
-                <a16:creationId xmlns:a16="http://schemas.microsoft.com/office/drawing/2014/main" id="{02C57089-7316-4A5F-A63E-A1C14CA8D9C1}"/>
+                <a16:creationId xmlns:a16="http://schemas.microsoft.com/office/drawing/2014/main" xmlns="" id="{02C57089-7316-4A5F-A63E-A1C14CA8D9C1}"/>
               </a:ext>
             </a:extLst>
           </p:cNvPr>
@@ -2139,7 +2843,7 @@
           <p:cNvPr id="4" name="Content Placeholder 3">
             <a:extLst>
               <a:ext uri="{FF2B5EF4-FFF2-40B4-BE49-F238E27FC236}">
-                <a16:creationId xmlns:a16="http://schemas.microsoft.com/office/drawing/2014/main" id="{9EEDC732-2A9C-495E-AAF4-2C1D1A8916C4}"/>
+                <a16:creationId xmlns:a16="http://schemas.microsoft.com/office/drawing/2014/main" xmlns="" id="{9EEDC732-2A9C-495E-AAF4-2C1D1A8916C4}"/>
               </a:ext>
             </a:extLst>
           </p:cNvPr>
@@ -2201,7 +2905,7 @@
           <p:cNvPr id="5" name="Text Placeholder 4">
             <a:extLst>
               <a:ext uri="{FF2B5EF4-FFF2-40B4-BE49-F238E27FC236}">
-                <a16:creationId xmlns:a16="http://schemas.microsoft.com/office/drawing/2014/main" id="{F01AE8C7-69F5-47F5-8D9A-96BF7A7A75BF}"/>
+                <a16:creationId xmlns:a16="http://schemas.microsoft.com/office/drawing/2014/main" xmlns="" id="{F01AE8C7-69F5-47F5-8D9A-96BF7A7A75BF}"/>
               </a:ext>
             </a:extLst>
           </p:cNvPr>
@@ -2272,7 +2976,7 @@
           <p:cNvPr id="6" name="Content Placeholder 5">
             <a:extLst>
               <a:ext uri="{FF2B5EF4-FFF2-40B4-BE49-F238E27FC236}">
-                <a16:creationId xmlns:a16="http://schemas.microsoft.com/office/drawing/2014/main" id="{6506B0FA-232D-4E04-A455-64E36E4BDF81}"/>
+                <a16:creationId xmlns:a16="http://schemas.microsoft.com/office/drawing/2014/main" xmlns="" id="{6506B0FA-232D-4E04-A455-64E36E4BDF81}"/>
               </a:ext>
             </a:extLst>
           </p:cNvPr>
@@ -2334,7 +3038,7 @@
           <p:cNvPr id="7" name="Date Placeholder 6">
             <a:extLst>
               <a:ext uri="{FF2B5EF4-FFF2-40B4-BE49-F238E27FC236}">
-                <a16:creationId xmlns:a16="http://schemas.microsoft.com/office/drawing/2014/main" id="{2081D4D8-D29F-4CDF-9BA6-1B52FFD4D669}"/>
+                <a16:creationId xmlns:a16="http://schemas.microsoft.com/office/drawing/2014/main" xmlns="" id="{2081D4D8-D29F-4CDF-9BA6-1B52FFD4D669}"/>
               </a:ext>
             </a:extLst>
           </p:cNvPr>
@@ -2352,7 +3056,7 @@
           <a:p>
             <a:fld id="{206D4201-52E4-48CE-872C-4D9132B6B8E6}" type="datetimeFigureOut">
               <a:rPr lang="en-US" smtClean="0"/>
-              <a:t>2/25/2019</a:t>
+              <a:t>2/26/2019</a:t>
             </a:fld>
             <a:endParaRPr lang="en-US"/>
           </a:p>
@@ -2363,7 +3067,7 @@
           <p:cNvPr id="8" name="Footer Placeholder 7">
             <a:extLst>
               <a:ext uri="{FF2B5EF4-FFF2-40B4-BE49-F238E27FC236}">
-                <a16:creationId xmlns:a16="http://schemas.microsoft.com/office/drawing/2014/main" id="{A02E0F78-8E2F-42F4-9EA0-BC94EDDA86BE}"/>
+                <a16:creationId xmlns:a16="http://schemas.microsoft.com/office/drawing/2014/main" xmlns="" id="{A02E0F78-8E2F-42F4-9EA0-BC94EDDA86BE}"/>
               </a:ext>
             </a:extLst>
           </p:cNvPr>
@@ -2388,7 +3092,7 @@
           <p:cNvPr id="9" name="Slide Number Placeholder 8">
             <a:extLst>
               <a:ext uri="{FF2B5EF4-FFF2-40B4-BE49-F238E27FC236}">
-                <a16:creationId xmlns:a16="http://schemas.microsoft.com/office/drawing/2014/main" id="{70065FE6-7ED8-4F31-A01C-D0B54F9F0EF1}"/>
+                <a16:creationId xmlns:a16="http://schemas.microsoft.com/office/drawing/2014/main" xmlns="" id="{70065FE6-7ED8-4F31-A01C-D0B54F9F0EF1}"/>
               </a:ext>
             </a:extLst>
           </p:cNvPr>
@@ -2447,7 +3151,7 @@
           <p:cNvPr id="2" name="Title 1">
             <a:extLst>
               <a:ext uri="{FF2B5EF4-FFF2-40B4-BE49-F238E27FC236}">
-                <a16:creationId xmlns:a16="http://schemas.microsoft.com/office/drawing/2014/main" id="{91D79BC9-1E20-4AC9-9D74-9C666D2D1ADA}"/>
+                <a16:creationId xmlns:a16="http://schemas.microsoft.com/office/drawing/2014/main" xmlns="" id="{91D79BC9-1E20-4AC9-9D74-9C666D2D1ADA}"/>
               </a:ext>
             </a:extLst>
           </p:cNvPr>
@@ -2475,7 +3179,7 @@
           <p:cNvPr id="3" name="Date Placeholder 2">
             <a:extLst>
               <a:ext uri="{FF2B5EF4-FFF2-40B4-BE49-F238E27FC236}">
-                <a16:creationId xmlns:a16="http://schemas.microsoft.com/office/drawing/2014/main" id="{AD33445E-C23A-4198-B4F0-8EA86E81952D}"/>
+                <a16:creationId xmlns:a16="http://schemas.microsoft.com/office/drawing/2014/main" xmlns="" id="{AD33445E-C23A-4198-B4F0-8EA86E81952D}"/>
               </a:ext>
             </a:extLst>
           </p:cNvPr>
@@ -2493,7 +3197,7 @@
           <a:p>
             <a:fld id="{206D4201-52E4-48CE-872C-4D9132B6B8E6}" type="datetimeFigureOut">
               <a:rPr lang="en-US" smtClean="0"/>
-              <a:t>2/25/2019</a:t>
+              <a:t>2/26/2019</a:t>
             </a:fld>
             <a:endParaRPr lang="en-US"/>
           </a:p>
@@ -2504,7 +3208,7 @@
           <p:cNvPr id="4" name="Footer Placeholder 3">
             <a:extLst>
               <a:ext uri="{FF2B5EF4-FFF2-40B4-BE49-F238E27FC236}">
-                <a16:creationId xmlns:a16="http://schemas.microsoft.com/office/drawing/2014/main" id="{D6B0C73F-A62F-44C8-950C-C4F765A1FC17}"/>
+                <a16:creationId xmlns:a16="http://schemas.microsoft.com/office/drawing/2014/main" xmlns="" id="{D6B0C73F-A62F-44C8-950C-C4F765A1FC17}"/>
               </a:ext>
             </a:extLst>
           </p:cNvPr>
@@ -2529,7 +3233,7 @@
           <p:cNvPr id="5" name="Slide Number Placeholder 4">
             <a:extLst>
               <a:ext uri="{FF2B5EF4-FFF2-40B4-BE49-F238E27FC236}">
-                <a16:creationId xmlns:a16="http://schemas.microsoft.com/office/drawing/2014/main" id="{F3E3292C-18E4-45AA-BC37-B6D84FCED55B}"/>
+                <a16:creationId xmlns:a16="http://schemas.microsoft.com/office/drawing/2014/main" xmlns="" id="{F3E3292C-18E4-45AA-BC37-B6D84FCED55B}"/>
               </a:ext>
             </a:extLst>
           </p:cNvPr>
@@ -2588,7 +3292,7 @@
           <p:cNvPr id="2" name="Date Placeholder 1">
             <a:extLst>
               <a:ext uri="{FF2B5EF4-FFF2-40B4-BE49-F238E27FC236}">
-                <a16:creationId xmlns:a16="http://schemas.microsoft.com/office/drawing/2014/main" id="{7F73CD34-E319-4EC4-AA6C-5B65AAF97285}"/>
+                <a16:creationId xmlns:a16="http://schemas.microsoft.com/office/drawing/2014/main" xmlns="" id="{7F73CD34-E319-4EC4-AA6C-5B65AAF97285}"/>
               </a:ext>
             </a:extLst>
           </p:cNvPr>
@@ -2606,7 +3310,7 @@
           <a:p>
             <a:fld id="{206D4201-52E4-48CE-872C-4D9132B6B8E6}" type="datetimeFigureOut">
               <a:rPr lang="en-US" smtClean="0"/>
-              <a:t>2/25/2019</a:t>
+              <a:t>2/26/2019</a:t>
             </a:fld>
             <a:endParaRPr lang="en-US"/>
           </a:p>
@@ -2617,7 +3321,7 @@
           <p:cNvPr id="3" name="Footer Placeholder 2">
             <a:extLst>
               <a:ext uri="{FF2B5EF4-FFF2-40B4-BE49-F238E27FC236}">
-                <a16:creationId xmlns:a16="http://schemas.microsoft.com/office/drawing/2014/main" id="{3A2E7802-012B-48CD-8272-D4306A91925D}"/>
+                <a16:creationId xmlns:a16="http://schemas.microsoft.com/office/drawing/2014/main" xmlns="" id="{3A2E7802-012B-48CD-8272-D4306A91925D}"/>
               </a:ext>
             </a:extLst>
           </p:cNvPr>
@@ -2642,7 +3346,7 @@
           <p:cNvPr id="4" name="Slide Number Placeholder 3">
             <a:extLst>
               <a:ext uri="{FF2B5EF4-FFF2-40B4-BE49-F238E27FC236}">
-                <a16:creationId xmlns:a16="http://schemas.microsoft.com/office/drawing/2014/main" id="{62E5FCB7-BEC9-4943-AA0F-1E15D4D5F41F}"/>
+                <a16:creationId xmlns:a16="http://schemas.microsoft.com/office/drawing/2014/main" xmlns="" id="{62E5FCB7-BEC9-4943-AA0F-1E15D4D5F41F}"/>
               </a:ext>
             </a:extLst>
           </p:cNvPr>
@@ -2701,7 +3405,7 @@
           <p:cNvPr id="2" name="Title 1">
             <a:extLst>
               <a:ext uri="{FF2B5EF4-FFF2-40B4-BE49-F238E27FC236}">
-                <a16:creationId xmlns:a16="http://schemas.microsoft.com/office/drawing/2014/main" id="{3807B854-E1FF-4505-BA2E-B78C0589A379}"/>
+                <a16:creationId xmlns:a16="http://schemas.microsoft.com/office/drawing/2014/main" xmlns="" id="{3807B854-E1FF-4505-BA2E-B78C0589A379}"/>
               </a:ext>
             </a:extLst>
           </p:cNvPr>
@@ -2738,7 +3442,7 @@
           <p:cNvPr id="3" name="Content Placeholder 2">
             <a:extLst>
               <a:ext uri="{FF2B5EF4-FFF2-40B4-BE49-F238E27FC236}">
-                <a16:creationId xmlns:a16="http://schemas.microsoft.com/office/drawing/2014/main" id="{E5D02775-304C-4E8B-8A6E-E1EADFEB823E}"/>
+                <a16:creationId xmlns:a16="http://schemas.microsoft.com/office/drawing/2014/main" xmlns="" id="{E5D02775-304C-4E8B-8A6E-E1EADFEB823E}"/>
               </a:ext>
             </a:extLst>
           </p:cNvPr>
@@ -2828,7 +3532,7 @@
           <p:cNvPr id="4" name="Text Placeholder 3">
             <a:extLst>
               <a:ext uri="{FF2B5EF4-FFF2-40B4-BE49-F238E27FC236}">
-                <a16:creationId xmlns:a16="http://schemas.microsoft.com/office/drawing/2014/main" id="{D15746D1-90F9-43FE-AB61-7301181D54B2}"/>
+                <a16:creationId xmlns:a16="http://schemas.microsoft.com/office/drawing/2014/main" xmlns="" id="{D15746D1-90F9-43FE-AB61-7301181D54B2}"/>
               </a:ext>
             </a:extLst>
           </p:cNvPr>
@@ -2899,7 +3603,7 @@
           <p:cNvPr id="5" name="Date Placeholder 4">
             <a:extLst>
               <a:ext uri="{FF2B5EF4-FFF2-40B4-BE49-F238E27FC236}">
-                <a16:creationId xmlns:a16="http://schemas.microsoft.com/office/drawing/2014/main" id="{6D788B22-EB84-407F-80DC-1DC420CAED5A}"/>
+                <a16:creationId xmlns:a16="http://schemas.microsoft.com/office/drawing/2014/main" xmlns="" id="{6D788B22-EB84-407F-80DC-1DC420CAED5A}"/>
               </a:ext>
             </a:extLst>
           </p:cNvPr>
@@ -2917,7 +3621,7 @@
           <a:p>
             <a:fld id="{206D4201-52E4-48CE-872C-4D9132B6B8E6}" type="datetimeFigureOut">
               <a:rPr lang="en-US" smtClean="0"/>
-              <a:t>2/25/2019</a:t>
+              <a:t>2/26/2019</a:t>
             </a:fld>
             <a:endParaRPr lang="en-US"/>
           </a:p>
@@ -2928,7 +3632,7 @@
           <p:cNvPr id="6" name="Footer Placeholder 5">
             <a:extLst>
               <a:ext uri="{FF2B5EF4-FFF2-40B4-BE49-F238E27FC236}">
-                <a16:creationId xmlns:a16="http://schemas.microsoft.com/office/drawing/2014/main" id="{9C93F0D5-66B1-40B9-86A6-A86D3060908D}"/>
+                <a16:creationId xmlns:a16="http://schemas.microsoft.com/office/drawing/2014/main" xmlns="" id="{9C93F0D5-66B1-40B9-86A6-A86D3060908D}"/>
               </a:ext>
             </a:extLst>
           </p:cNvPr>
@@ -2953,7 +3657,7 @@
           <p:cNvPr id="7" name="Slide Number Placeholder 6">
             <a:extLst>
               <a:ext uri="{FF2B5EF4-FFF2-40B4-BE49-F238E27FC236}">
-                <a16:creationId xmlns:a16="http://schemas.microsoft.com/office/drawing/2014/main" id="{AD050E0E-0F3A-47D6-A2F7-F18236C4244F}"/>
+                <a16:creationId xmlns:a16="http://schemas.microsoft.com/office/drawing/2014/main" xmlns="" id="{AD050E0E-0F3A-47D6-A2F7-F18236C4244F}"/>
               </a:ext>
             </a:extLst>
           </p:cNvPr>
@@ -3012,7 +3716,7 @@
           <p:cNvPr id="2" name="Title 1">
             <a:extLst>
               <a:ext uri="{FF2B5EF4-FFF2-40B4-BE49-F238E27FC236}">
-                <a16:creationId xmlns:a16="http://schemas.microsoft.com/office/drawing/2014/main" id="{9281EB87-0A8B-4D57-97FA-CB3DCB763DAD}"/>
+                <a16:creationId xmlns:a16="http://schemas.microsoft.com/office/drawing/2014/main" xmlns="" id="{9281EB87-0A8B-4D57-97FA-CB3DCB763DAD}"/>
               </a:ext>
             </a:extLst>
           </p:cNvPr>
@@ -3049,7 +3753,7 @@
           <p:cNvPr id="3" name="Picture Placeholder 2">
             <a:extLst>
               <a:ext uri="{FF2B5EF4-FFF2-40B4-BE49-F238E27FC236}">
-                <a16:creationId xmlns:a16="http://schemas.microsoft.com/office/drawing/2014/main" id="{30EE1A07-17EC-433C-9E44-162F31EC9359}"/>
+                <a16:creationId xmlns:a16="http://schemas.microsoft.com/office/drawing/2014/main" xmlns="" id="{30EE1A07-17EC-433C-9E44-162F31EC9359}"/>
               </a:ext>
             </a:extLst>
           </p:cNvPr>
@@ -3116,7 +3820,7 @@
           <p:cNvPr id="4" name="Text Placeholder 3">
             <a:extLst>
               <a:ext uri="{FF2B5EF4-FFF2-40B4-BE49-F238E27FC236}">
-                <a16:creationId xmlns:a16="http://schemas.microsoft.com/office/drawing/2014/main" id="{C80C6C2A-F367-49E7-9BD5-D48F9A705633}"/>
+                <a16:creationId xmlns:a16="http://schemas.microsoft.com/office/drawing/2014/main" xmlns="" id="{C80C6C2A-F367-49E7-9BD5-D48F9A705633}"/>
               </a:ext>
             </a:extLst>
           </p:cNvPr>
@@ -3187,7 +3891,7 @@
           <p:cNvPr id="5" name="Date Placeholder 4">
             <a:extLst>
               <a:ext uri="{FF2B5EF4-FFF2-40B4-BE49-F238E27FC236}">
-                <a16:creationId xmlns:a16="http://schemas.microsoft.com/office/drawing/2014/main" id="{5A1AEFAD-2E02-4CDC-814C-54002F095FFB}"/>
+                <a16:creationId xmlns:a16="http://schemas.microsoft.com/office/drawing/2014/main" xmlns="" id="{5A1AEFAD-2E02-4CDC-814C-54002F095FFB}"/>
               </a:ext>
             </a:extLst>
           </p:cNvPr>
@@ -3205,7 +3909,7 @@
           <a:p>
             <a:fld id="{206D4201-52E4-48CE-872C-4D9132B6B8E6}" type="datetimeFigureOut">
               <a:rPr lang="en-US" smtClean="0"/>
-              <a:t>2/25/2019</a:t>
+              <a:t>2/26/2019</a:t>
             </a:fld>
             <a:endParaRPr lang="en-US"/>
           </a:p>
@@ -3216,7 +3920,7 @@
           <p:cNvPr id="6" name="Footer Placeholder 5">
             <a:extLst>
               <a:ext uri="{FF2B5EF4-FFF2-40B4-BE49-F238E27FC236}">
-                <a16:creationId xmlns:a16="http://schemas.microsoft.com/office/drawing/2014/main" id="{E785A60C-EBE6-4FFA-9DA5-7582BA78EFEA}"/>
+                <a16:creationId xmlns:a16="http://schemas.microsoft.com/office/drawing/2014/main" xmlns="" id="{E785A60C-EBE6-4FFA-9DA5-7582BA78EFEA}"/>
               </a:ext>
             </a:extLst>
           </p:cNvPr>
@@ -3241,7 +3945,7 @@
           <p:cNvPr id="7" name="Slide Number Placeholder 6">
             <a:extLst>
               <a:ext uri="{FF2B5EF4-FFF2-40B4-BE49-F238E27FC236}">
-                <a16:creationId xmlns:a16="http://schemas.microsoft.com/office/drawing/2014/main" id="{965E0EBE-003B-4112-84D8-48ABED67C254}"/>
+                <a16:creationId xmlns:a16="http://schemas.microsoft.com/office/drawing/2014/main" xmlns="" id="{965E0EBE-003B-4112-84D8-48ABED67C254}"/>
               </a:ext>
             </a:extLst>
           </p:cNvPr>
@@ -3305,7 +4009,7 @@
           <p:cNvPr id="2" name="Title Placeholder 1">
             <a:extLst>
               <a:ext uri="{FF2B5EF4-FFF2-40B4-BE49-F238E27FC236}">
-                <a16:creationId xmlns:a16="http://schemas.microsoft.com/office/drawing/2014/main" id="{A726E7DC-A429-43B8-B562-31324274DB8E}"/>
+                <a16:creationId xmlns:a16="http://schemas.microsoft.com/office/drawing/2014/main" xmlns="" id="{A726E7DC-A429-43B8-B562-31324274DB8E}"/>
               </a:ext>
             </a:extLst>
           </p:cNvPr>
@@ -3343,7 +4047,7 @@
           <p:cNvPr id="3" name="Text Placeholder 2">
             <a:extLst>
               <a:ext uri="{FF2B5EF4-FFF2-40B4-BE49-F238E27FC236}">
-                <a16:creationId xmlns:a16="http://schemas.microsoft.com/office/drawing/2014/main" id="{68BD6C4D-66BF-40B0-BCAC-F77A460AEE9D}"/>
+                <a16:creationId xmlns:a16="http://schemas.microsoft.com/office/drawing/2014/main" xmlns="" id="{68BD6C4D-66BF-40B0-BCAC-F77A460AEE9D}"/>
               </a:ext>
             </a:extLst>
           </p:cNvPr>
@@ -3410,7 +4114,7 @@
           <p:cNvPr id="4" name="Date Placeholder 3">
             <a:extLst>
               <a:ext uri="{FF2B5EF4-FFF2-40B4-BE49-F238E27FC236}">
-                <a16:creationId xmlns:a16="http://schemas.microsoft.com/office/drawing/2014/main" id="{EDFCB857-0F1F-4B62-A11E-4148D0C51AEC}"/>
+                <a16:creationId xmlns:a16="http://schemas.microsoft.com/office/drawing/2014/main" xmlns="" id="{EDFCB857-0F1F-4B62-A11E-4148D0C51AEC}"/>
               </a:ext>
             </a:extLst>
           </p:cNvPr>
@@ -3446,7 +4150,7 @@
           <a:p>
             <a:fld id="{206D4201-52E4-48CE-872C-4D9132B6B8E6}" type="datetimeFigureOut">
               <a:rPr lang="en-US" smtClean="0"/>
-              <a:t>2/25/2019</a:t>
+              <a:t>2/26/2019</a:t>
             </a:fld>
             <a:endParaRPr lang="en-US"/>
           </a:p>
@@ -3457,7 +4161,7 @@
           <p:cNvPr id="5" name="Footer Placeholder 4">
             <a:extLst>
               <a:ext uri="{FF2B5EF4-FFF2-40B4-BE49-F238E27FC236}">
-                <a16:creationId xmlns:a16="http://schemas.microsoft.com/office/drawing/2014/main" id="{6DD8040C-1625-47CD-A7C0-87F64EBF24D1}"/>
+                <a16:creationId xmlns:a16="http://schemas.microsoft.com/office/drawing/2014/main" xmlns="" id="{6DD8040C-1625-47CD-A7C0-87F64EBF24D1}"/>
               </a:ext>
             </a:extLst>
           </p:cNvPr>
@@ -3500,7 +4204,7 @@
           <p:cNvPr id="6" name="Slide Number Placeholder 5">
             <a:extLst>
               <a:ext uri="{FF2B5EF4-FFF2-40B4-BE49-F238E27FC236}">
-                <a16:creationId xmlns:a16="http://schemas.microsoft.com/office/drawing/2014/main" id="{FC28C43E-3164-48D8-B5CB-96C11C0B6B25}"/>
+                <a16:creationId xmlns:a16="http://schemas.microsoft.com/office/drawing/2014/main" xmlns="" id="{FC28C43E-3164-48D8-B5CB-96C11C0B6B25}"/>
               </a:ext>
             </a:extLst>
           </p:cNvPr>
@@ -3868,7 +4572,7 @@
           <p:cNvPr id="2" name="Title 1">
             <a:extLst>
               <a:ext uri="{FF2B5EF4-FFF2-40B4-BE49-F238E27FC236}">
-                <a16:creationId xmlns:a16="http://schemas.microsoft.com/office/drawing/2014/main" id="{FDDE05B9-D6E6-4E9C-9814-112D6A375023}"/>
+                <a16:creationId xmlns:a16="http://schemas.microsoft.com/office/drawing/2014/main" xmlns="" id="{FDDE05B9-D6E6-4E9C-9814-112D6A375023}"/>
               </a:ext>
             </a:extLst>
           </p:cNvPr>
@@ -3898,7 +4602,7 @@
           <p:cNvPr id="3" name="Subtitle 2">
             <a:extLst>
               <a:ext uri="{FF2B5EF4-FFF2-40B4-BE49-F238E27FC236}">
-                <a16:creationId xmlns:a16="http://schemas.microsoft.com/office/drawing/2014/main" id="{67E55FA9-4580-4ABB-8F62-4E977E7988C1}"/>
+                <a16:creationId xmlns:a16="http://schemas.microsoft.com/office/drawing/2014/main" xmlns="" id="{67E55FA9-4580-4ABB-8F62-4E977E7988C1}"/>
               </a:ext>
             </a:extLst>
           </p:cNvPr>
@@ -3931,6 +4635,85 @@
     <p:extLst>
       <p:ext uri="{BB962C8B-B14F-4D97-AF65-F5344CB8AC3E}">
         <p14:creationId xmlns:p14="http://schemas.microsoft.com/office/powerpoint/2010/main" val="3643855000"/>
+      </p:ext>
+    </p:extLst>
+  </p:cSld>
+  <p:clrMapOvr>
+    <a:masterClrMapping/>
+  </p:clrMapOvr>
+</p:sld>
+</file>
+
+<file path=ppt/slides/slide10.xml><?xml version="1.0" encoding="utf-8"?>
+<p:sld xmlns:a="http://schemas.openxmlformats.org/drawingml/2006/main" xmlns:r="http://schemas.openxmlformats.org/officeDocument/2006/relationships" xmlns:p="http://schemas.openxmlformats.org/presentationml/2006/main">
+  <p:cSld>
+    <p:spTree>
+      <p:nvGrpSpPr>
+        <p:cNvPr id="1" name=""/>
+        <p:cNvGrpSpPr/>
+        <p:nvPr/>
+      </p:nvGrpSpPr>
+      <p:grpSpPr>
+        <a:xfrm>
+          <a:off x="0" y="0"/>
+          <a:ext cx="0" cy="0"/>
+          <a:chOff x="0" y="0"/>
+          <a:chExt cx="0" cy="0"/>
+        </a:xfrm>
+      </p:grpSpPr>
+      <p:sp>
+        <p:nvSpPr>
+          <p:cNvPr id="2" name="Title 1"/>
+          <p:cNvSpPr>
+            <a:spLocks noGrp="1"/>
+          </p:cNvSpPr>
+          <p:nvPr>
+            <p:ph type="title"/>
+          </p:nvPr>
+        </p:nvSpPr>
+        <p:spPr/>
+        <p:txBody>
+          <a:bodyPr/>
+          <a:lstStyle/>
+          <a:p>
+            <a:r>
+              <a:rPr lang="en-US" dirty="0" smtClean="0"/>
+              <a:t>Sampling Designs</a:t>
+            </a:r>
+            <a:endParaRPr lang="en-US" dirty="0"/>
+          </a:p>
+        </p:txBody>
+      </p:sp>
+      <p:sp>
+        <p:nvSpPr>
+          <p:cNvPr id="3" name="Content Placeholder 2"/>
+          <p:cNvSpPr>
+            <a:spLocks noGrp="1"/>
+          </p:cNvSpPr>
+          <p:nvPr>
+            <p:ph idx="1"/>
+          </p:nvPr>
+        </p:nvSpPr>
+        <p:spPr/>
+        <p:txBody>
+          <a:bodyPr/>
+          <a:lstStyle/>
+          <a:p>
+            <a:r>
+              <a:rPr lang="en-US" dirty="0" smtClean="0"/>
+              <a:t>SBS</a:t>
+            </a:r>
+          </a:p>
+          <a:p>
+            <a:pPr lvl="1"/>
+            <a:endParaRPr lang="en-US" dirty="0"/>
+          </a:p>
+        </p:txBody>
+      </p:sp>
+    </p:spTree>
+    <p:extLst>
+      <p:ext uri="{BB962C8B-B14F-4D97-AF65-F5344CB8AC3E}">
+        <p14:creationId xmlns:p14="http://schemas.microsoft.com/office/powerpoint/2010/main" val="2909786838"/>
       </p:ext>
     </p:extLst>
   </p:cSld>
@@ -3959,13 +4742,7 @@
       </p:grpSpPr>
       <p:sp>
         <p:nvSpPr>
-          <p:cNvPr id="2" name="Title 1">
-            <a:extLst>
-              <a:ext uri="{FF2B5EF4-FFF2-40B4-BE49-F238E27FC236}">
-                <a16:creationId xmlns:a16="http://schemas.microsoft.com/office/drawing/2014/main" id="{0EAF9862-6374-4B7F-BD4A-4C910B96AF2E}"/>
-              </a:ext>
-            </a:extLst>
-          </p:cNvPr>
+          <p:cNvPr id="2" name="Title 1"/>
           <p:cNvSpPr>
             <a:spLocks noGrp="1"/>
           </p:cNvSpPr>
@@ -3979,50 +4756,99 @@
           <a:lstStyle/>
           <a:p>
             <a:r>
+              <a:rPr lang="en-US" dirty="0" smtClean="0"/>
+              <a:t>Background</a:t>
+            </a:r>
+            <a:endParaRPr lang="en-US" dirty="0"/>
+          </a:p>
+        </p:txBody>
+      </p:sp>
+      <p:sp>
+        <p:nvSpPr>
+          <p:cNvPr id="3" name="Content Placeholder 2"/>
+          <p:cNvSpPr>
+            <a:spLocks noGrp="1"/>
+          </p:cNvSpPr>
+          <p:nvPr>
+            <p:ph idx="1"/>
+          </p:nvPr>
+        </p:nvSpPr>
+        <p:spPr/>
+        <p:txBody>
+          <a:bodyPr/>
+          <a:lstStyle/>
+          <a:p>
+            <a:r>
+              <a:rPr lang="en-US" dirty="0" smtClean="0"/>
+              <a:t>Large-scale effectiveness trial</a:t>
+            </a:r>
+          </a:p>
+          <a:p>
+            <a:pPr lvl="1"/>
+            <a:r>
+              <a:rPr lang="en-US" dirty="0" smtClean="0"/>
+              <a:t>Multi-site RCT</a:t>
+            </a:r>
+          </a:p>
+          <a:p>
+            <a:pPr lvl="1"/>
+            <a:r>
+              <a:rPr lang="en-US" dirty="0" smtClean="0"/>
+              <a:t>Nationally representative sample</a:t>
+            </a:r>
+            <a:endParaRPr lang="en-US" dirty="0"/>
+          </a:p>
+          <a:p>
+            <a:pPr lvl="1"/>
+            <a:r>
               <a:rPr lang="en-US" dirty="0"/>
-              <a:t>Generalizability</a:t>
-            </a:r>
-          </a:p>
-        </p:txBody>
-      </p:sp>
-      <p:sp>
-        <p:nvSpPr>
-          <p:cNvPr id="3" name="Content Placeholder 2">
-            <a:extLst>
-              <a:ext uri="{FF2B5EF4-FFF2-40B4-BE49-F238E27FC236}">
-                <a16:creationId xmlns:a16="http://schemas.microsoft.com/office/drawing/2014/main" id="{6A96F1D7-7E7F-4534-9B96-39DA13E27E43}"/>
-              </a:ext>
-            </a:extLst>
-          </p:cNvPr>
-          <p:cNvSpPr>
-            <a:spLocks noGrp="1"/>
-          </p:cNvSpPr>
-          <p:nvPr>
-            <p:ph idx="1"/>
-          </p:nvPr>
-        </p:nvSpPr>
-        <p:spPr/>
-        <p:txBody>
-          <a:bodyPr/>
-          <a:lstStyle/>
-          <a:p>
-            <a:r>
-              <a:rPr lang="en-US" dirty="0"/>
-              <a:t>Subset of external validity</a:t>
+              <a:t>60 </a:t>
+            </a:r>
+            <a:r>
+              <a:rPr lang="en-US" dirty="0" smtClean="0"/>
+              <a:t>schools</a:t>
+            </a:r>
+          </a:p>
+          <a:p>
+            <a:pPr marL="457200" lvl="1" indent="0">
+              <a:buNone/>
+            </a:pPr>
+            <a:endParaRPr lang="en-US" dirty="0" smtClean="0"/>
+          </a:p>
+          <a:p>
+            <a:r>
+              <a:rPr lang="en-US" dirty="0" smtClean="0"/>
+              <a:t>Stratified Balanced Sampling (SBS; Tipton, 2013)</a:t>
             </a:r>
           </a:p>
           <a:p>
             <a:pPr lvl="1"/>
             <a:r>
-              <a:rPr lang="en-US" dirty="0"/>
-              <a:t>Can we extrapolate the estimated average treatment effect (ATE) to units or sites outside of the sample?</a:t>
-            </a:r>
-          </a:p>
-          <a:p>
-            <a:r>
-              <a:rPr lang="en-US" dirty="0"/>
-              <a:t>Representativeness</a:t>
-            </a:r>
+              <a:rPr lang="en-US" dirty="0" smtClean="0"/>
+              <a:t>Stratify population using cluster analysis</a:t>
+            </a:r>
+          </a:p>
+          <a:p>
+            <a:pPr lvl="1"/>
+            <a:r>
+              <a:rPr lang="en-US" dirty="0" smtClean="0"/>
+              <a:t>Sample proportionately from each stratum</a:t>
+            </a:r>
+          </a:p>
+          <a:p>
+            <a:pPr lvl="1"/>
+            <a:r>
+              <a:rPr lang="en-US" dirty="0" smtClean="0"/>
+              <a:t>Prioritize schools most “like” the stratum</a:t>
+            </a:r>
+          </a:p>
+          <a:p>
+            <a:pPr lvl="1"/>
+            <a:r>
+              <a:rPr lang="en-US" dirty="0" smtClean="0"/>
+              <a:t>Replace refusals with next best school</a:t>
+            </a:r>
+            <a:endParaRPr lang="en-US" dirty="0"/>
           </a:p>
           <a:p>
             <a:pPr lvl="1"/>
@@ -4033,7 +4859,7 @@
     </p:spTree>
     <p:extLst>
       <p:ext uri="{BB962C8B-B14F-4D97-AF65-F5344CB8AC3E}">
-        <p14:creationId xmlns:p14="http://schemas.microsoft.com/office/powerpoint/2010/main" val="1286533333"/>
+        <p14:creationId xmlns:p14="http://schemas.microsoft.com/office/powerpoint/2010/main" val="3089934640"/>
       </p:ext>
     </p:extLst>
   </p:cSld>
@@ -4062,10 +4888,411 @@
       </p:grpSpPr>
       <p:sp>
         <p:nvSpPr>
+          <p:cNvPr id="2" name="Title 1"/>
+          <p:cNvSpPr>
+            <a:spLocks noGrp="1"/>
+          </p:cNvSpPr>
+          <p:nvPr>
+            <p:ph type="title"/>
+          </p:nvPr>
+        </p:nvSpPr>
+        <p:spPr/>
+        <p:txBody>
+          <a:bodyPr/>
+          <a:lstStyle/>
+          <a:p>
+            <a:r>
+              <a:rPr lang="en-US" dirty="0" smtClean="0"/>
+              <a:t>Technical Difficulties</a:t>
+            </a:r>
+            <a:endParaRPr lang="en-US" dirty="0"/>
+          </a:p>
+        </p:txBody>
+      </p:sp>
+      <p:sp>
+        <p:nvSpPr>
+          <p:cNvPr id="3" name="Content Placeholder 2"/>
+          <p:cNvSpPr>
+            <a:spLocks noGrp="1"/>
+          </p:cNvSpPr>
+          <p:nvPr>
+            <p:ph idx="1"/>
+          </p:nvPr>
+        </p:nvSpPr>
+        <p:spPr/>
+        <p:txBody>
+          <a:bodyPr/>
+          <a:lstStyle/>
+          <a:p>
+            <a:r>
+              <a:rPr lang="en-US" dirty="0" smtClean="0"/>
+              <a:t>Recruiting is hard</a:t>
+            </a:r>
+          </a:p>
+          <a:p>
+            <a:pPr lvl="1"/>
+            <a:r>
+              <a:rPr lang="en-US" dirty="0" smtClean="0"/>
+              <a:t>“High priority” schools didn’t always cluster</a:t>
+            </a:r>
+          </a:p>
+          <a:p>
+            <a:pPr lvl="1"/>
+            <a:r>
+              <a:rPr lang="en-US" dirty="0" smtClean="0"/>
+              <a:t>No relationships in districts/states</a:t>
+            </a:r>
+          </a:p>
+          <a:p>
+            <a:pPr lvl="1"/>
+            <a:r>
+              <a:rPr lang="en-US" dirty="0" smtClean="0"/>
+              <a:t>Cold-calling wasn’t very effective</a:t>
+            </a:r>
+          </a:p>
+          <a:p>
+            <a:pPr lvl="1"/>
+            <a:r>
+              <a:rPr lang="en-US" dirty="0" smtClean="0"/>
+              <a:t>Stratified convenience sampling is easier</a:t>
+            </a:r>
+          </a:p>
+          <a:p>
+            <a:pPr lvl="1"/>
+            <a:endParaRPr lang="en-US" dirty="0" smtClean="0"/>
+          </a:p>
+          <a:p>
+            <a:r>
+              <a:rPr lang="en-US" dirty="0" smtClean="0"/>
+              <a:t>Was what we were doing effective?</a:t>
+            </a:r>
+          </a:p>
+          <a:p>
+            <a:r>
+              <a:rPr lang="en-US" dirty="0" smtClean="0"/>
+              <a:t>How would it compare to convenience sampling?</a:t>
+            </a:r>
+          </a:p>
+          <a:p>
+            <a:r>
+              <a:rPr lang="en-US" dirty="0" smtClean="0"/>
+              <a:t>Is the full implementation of SBS even possible?</a:t>
+            </a:r>
+          </a:p>
+          <a:p>
+            <a:endParaRPr lang="en-US" dirty="0" smtClean="0"/>
+          </a:p>
+        </p:txBody>
+      </p:sp>
+    </p:spTree>
+    <p:extLst>
+      <p:ext uri="{BB962C8B-B14F-4D97-AF65-F5344CB8AC3E}">
+        <p14:creationId xmlns:p14="http://schemas.microsoft.com/office/powerpoint/2010/main" val="3850655582"/>
+      </p:ext>
+    </p:extLst>
+  </p:cSld>
+  <p:clrMapOvr>
+    <a:masterClrMapping/>
+  </p:clrMapOvr>
+</p:sld>
+</file>
+
+<file path=ppt/slides/slide4.xml><?xml version="1.0" encoding="utf-8"?>
+<p:sld xmlns:a="http://schemas.openxmlformats.org/drawingml/2006/main" xmlns:r="http://schemas.openxmlformats.org/officeDocument/2006/relationships" xmlns:p="http://schemas.openxmlformats.org/presentationml/2006/main">
+  <p:cSld>
+    <p:spTree>
+      <p:nvGrpSpPr>
+        <p:cNvPr id="1" name=""/>
+        <p:cNvGrpSpPr/>
+        <p:nvPr/>
+      </p:nvGrpSpPr>
+      <p:grpSpPr>
+        <a:xfrm>
+          <a:off x="0" y="0"/>
+          <a:ext cx="0" cy="0"/>
+          <a:chOff x="0" y="0"/>
+          <a:chExt cx="0" cy="0"/>
+        </a:xfrm>
+      </p:grpSpPr>
+      <p:sp>
+        <p:nvSpPr>
           <p:cNvPr id="2" name="Title 1">
             <a:extLst>
               <a:ext uri="{FF2B5EF4-FFF2-40B4-BE49-F238E27FC236}">
-                <a16:creationId xmlns:a16="http://schemas.microsoft.com/office/drawing/2014/main" id="{924A0832-0D9E-498C-8AE9-4A7D7A2DE0C3}"/>
+                <a16:creationId xmlns:a16="http://schemas.microsoft.com/office/drawing/2014/main" xmlns="" id="{0EAF9862-6374-4B7F-BD4A-4C910B96AF2E}"/>
+              </a:ext>
+            </a:extLst>
+          </p:cNvPr>
+          <p:cNvSpPr>
+            <a:spLocks noGrp="1"/>
+          </p:cNvSpPr>
+          <p:nvPr>
+            <p:ph type="title"/>
+          </p:nvPr>
+        </p:nvSpPr>
+        <p:spPr/>
+        <p:txBody>
+          <a:bodyPr/>
+          <a:lstStyle/>
+          <a:p>
+            <a:r>
+              <a:rPr lang="en-US" dirty="0" smtClean="0"/>
+              <a:t>Effectiveness vs Feasibility</a:t>
+            </a:r>
+            <a:endParaRPr lang="en-US" dirty="0"/>
+          </a:p>
+        </p:txBody>
+      </p:sp>
+      <p:sp>
+        <p:nvSpPr>
+          <p:cNvPr id="3" name="Content Placeholder 2">
+            <a:extLst>
+              <a:ext uri="{FF2B5EF4-FFF2-40B4-BE49-F238E27FC236}">
+                <a16:creationId xmlns:a16="http://schemas.microsoft.com/office/drawing/2014/main" xmlns="" id="{6A96F1D7-7E7F-4534-9B96-39DA13E27E43}"/>
+              </a:ext>
+            </a:extLst>
+          </p:cNvPr>
+          <p:cNvSpPr>
+            <a:spLocks noGrp="1"/>
+          </p:cNvSpPr>
+          <p:nvPr>
+            <p:ph idx="1"/>
+          </p:nvPr>
+        </p:nvSpPr>
+        <p:spPr/>
+        <p:txBody>
+          <a:bodyPr/>
+          <a:lstStyle/>
+          <a:p>
+            <a:r>
+              <a:rPr lang="en-US" dirty="0" smtClean="0"/>
+              <a:t>Effectiveness</a:t>
+            </a:r>
+          </a:p>
+          <a:p>
+            <a:pPr lvl="1"/>
+            <a:r>
+              <a:rPr lang="en-US" dirty="0" smtClean="0"/>
+              <a:t>How generalizable is the sample?</a:t>
+            </a:r>
+          </a:p>
+          <a:p>
+            <a:pPr lvl="2"/>
+            <a:r>
+              <a:rPr lang="en-US" dirty="0" smtClean="0"/>
+              <a:t>Subset </a:t>
+            </a:r>
+            <a:r>
+              <a:rPr lang="en-US" dirty="0"/>
+              <a:t>of external validity</a:t>
+            </a:r>
+          </a:p>
+          <a:p>
+            <a:pPr lvl="2"/>
+            <a:r>
+              <a:rPr lang="en-US" dirty="0"/>
+              <a:t>Can we extrapolate the estimated average treatment effect (ATE) to units or sites outside of the sample?</a:t>
+            </a:r>
+          </a:p>
+          <a:p>
+            <a:r>
+              <a:rPr lang="en-US" dirty="0" smtClean="0"/>
+              <a:t>Feasibility</a:t>
+            </a:r>
+          </a:p>
+          <a:p>
+            <a:pPr lvl="1"/>
+            <a:r>
+              <a:rPr lang="en-US" dirty="0" smtClean="0"/>
+              <a:t>How much “effort” does it take to implement a sampling method</a:t>
+            </a:r>
+          </a:p>
+          <a:p>
+            <a:pPr lvl="1"/>
+            <a:endParaRPr lang="en-US" dirty="0"/>
+          </a:p>
+          <a:p>
+            <a:pPr lvl="1"/>
+            <a:endParaRPr lang="en-US" dirty="0"/>
+          </a:p>
+        </p:txBody>
+      </p:sp>
+    </p:spTree>
+    <p:extLst>
+      <p:ext uri="{BB962C8B-B14F-4D97-AF65-F5344CB8AC3E}">
+        <p14:creationId xmlns:p14="http://schemas.microsoft.com/office/powerpoint/2010/main" val="1286533333"/>
+      </p:ext>
+    </p:extLst>
+  </p:cSld>
+  <p:clrMapOvr>
+    <a:masterClrMapping/>
+  </p:clrMapOvr>
+</p:sld>
+</file>
+
+<file path=ppt/slides/slide5.xml><?xml version="1.0" encoding="utf-8"?>
+<p:sld xmlns:a="http://schemas.openxmlformats.org/drawingml/2006/main" xmlns:r="http://schemas.openxmlformats.org/officeDocument/2006/relationships" xmlns:p="http://schemas.openxmlformats.org/presentationml/2006/main">
+  <p:cSld>
+    <p:spTree>
+      <p:nvGrpSpPr>
+        <p:cNvPr id="1" name=""/>
+        <p:cNvGrpSpPr/>
+        <p:nvPr/>
+      </p:nvGrpSpPr>
+      <p:grpSpPr>
+        <a:xfrm>
+          <a:off x="0" y="0"/>
+          <a:ext cx="0" cy="0"/>
+          <a:chOff x="0" y="0"/>
+          <a:chExt cx="0" cy="0"/>
+        </a:xfrm>
+      </p:grpSpPr>
+      <p:sp>
+        <p:nvSpPr>
+          <p:cNvPr id="2" name="Title 1"/>
+          <p:cNvSpPr>
+            <a:spLocks noGrp="1"/>
+          </p:cNvSpPr>
+          <p:nvPr>
+            <p:ph type="title"/>
+          </p:nvPr>
+        </p:nvSpPr>
+        <p:spPr/>
+        <p:txBody>
+          <a:bodyPr/>
+          <a:lstStyle/>
+          <a:p>
+            <a:r>
+              <a:rPr lang="en-US" dirty="0" smtClean="0"/>
+              <a:t>Simulation Design</a:t>
+            </a:r>
+            <a:endParaRPr lang="en-US" dirty="0"/>
+          </a:p>
+        </p:txBody>
+      </p:sp>
+      <p:sp>
+        <p:nvSpPr>
+          <p:cNvPr id="3" name="Content Placeholder 2"/>
+          <p:cNvSpPr>
+            <a:spLocks noGrp="1"/>
+          </p:cNvSpPr>
+          <p:nvPr>
+            <p:ph idx="1"/>
+          </p:nvPr>
+        </p:nvSpPr>
+        <p:spPr/>
+        <p:txBody>
+          <a:bodyPr/>
+          <a:lstStyle/>
+          <a:p>
+            <a:r>
+              <a:rPr lang="en-US" dirty="0" smtClean="0"/>
+              <a:t>Population frame</a:t>
+            </a:r>
+          </a:p>
+          <a:p>
+            <a:pPr lvl="1"/>
+            <a:r>
+              <a:rPr lang="en-US" dirty="0" smtClean="0"/>
+              <a:t>9882 Elementary schools</a:t>
+            </a:r>
+          </a:p>
+          <a:p>
+            <a:pPr lvl="1"/>
+            <a:r>
+              <a:rPr lang="en-US" dirty="0" smtClean="0"/>
+              <a:t>6 states (CA, OR, PA, SC, TX, WI)</a:t>
+            </a:r>
+          </a:p>
+          <a:p>
+            <a:r>
+              <a:rPr lang="en-US" dirty="0" smtClean="0"/>
+              <a:t>Context</a:t>
+            </a:r>
+          </a:p>
+          <a:p>
+            <a:pPr lvl="1"/>
+            <a:r>
+              <a:rPr lang="en-US" dirty="0" smtClean="0"/>
+              <a:t>Large scale multi-site RCT</a:t>
+            </a:r>
+          </a:p>
+          <a:p>
+            <a:pPr lvl="1"/>
+            <a:r>
+              <a:rPr lang="en-US" dirty="0" smtClean="0"/>
+              <a:t>Select representative sample of 60 schools</a:t>
+            </a:r>
+          </a:p>
+          <a:p>
+            <a:r>
+              <a:rPr lang="en-US" dirty="0" smtClean="0"/>
+              <a:t>Sampling methods</a:t>
+            </a:r>
+          </a:p>
+          <a:p>
+            <a:pPr lvl="1"/>
+            <a:r>
+              <a:rPr lang="en-US" dirty="0" smtClean="0"/>
+              <a:t>Stratified Balanced Sampling (SBS)</a:t>
+            </a:r>
+          </a:p>
+          <a:p>
+            <a:pPr lvl="1"/>
+            <a:r>
+              <a:rPr lang="en-US" dirty="0" smtClean="0"/>
+              <a:t>Unstratified and Stratified Convenience Sampling (UCS, SCS)</a:t>
+            </a:r>
+          </a:p>
+          <a:p>
+            <a:pPr lvl="1"/>
+            <a:r>
+              <a:rPr lang="en-US" dirty="0" smtClean="0"/>
+              <a:t>Unstratified and Stratified Random Sampling (URS, SRS)</a:t>
+            </a:r>
+          </a:p>
+          <a:p>
+            <a:pPr lvl="1"/>
+            <a:endParaRPr lang="en-US" dirty="0"/>
+          </a:p>
+        </p:txBody>
+      </p:sp>
+    </p:spTree>
+    <p:extLst>
+      <p:ext uri="{BB962C8B-B14F-4D97-AF65-F5344CB8AC3E}">
+        <p14:creationId xmlns:p14="http://schemas.microsoft.com/office/powerpoint/2010/main" val="3869461636"/>
+      </p:ext>
+    </p:extLst>
+  </p:cSld>
+  <p:clrMapOvr>
+    <a:masterClrMapping/>
+  </p:clrMapOvr>
+</p:sld>
+</file>
+
+<file path=ppt/slides/slide6.xml><?xml version="1.0" encoding="utf-8"?>
+<p:sld xmlns:a="http://schemas.openxmlformats.org/drawingml/2006/main" xmlns:r="http://schemas.openxmlformats.org/officeDocument/2006/relationships" xmlns:p="http://schemas.openxmlformats.org/presentationml/2006/main">
+  <p:cSld>
+    <p:spTree>
+      <p:nvGrpSpPr>
+        <p:cNvPr id="1" name=""/>
+        <p:cNvGrpSpPr/>
+        <p:nvPr/>
+      </p:nvGrpSpPr>
+      <p:grpSpPr>
+        <a:xfrm>
+          <a:off x="0" y="0"/>
+          <a:ext cx="0" cy="0"/>
+          <a:chOff x="0" y="0"/>
+          <a:chExt cx="0" cy="0"/>
+        </a:xfrm>
+      </p:grpSpPr>
+      <p:sp>
+        <p:nvSpPr>
+          <p:cNvPr id="2" name="Title 1">
+            <a:extLst>
+              <a:ext uri="{FF2B5EF4-FFF2-40B4-BE49-F238E27FC236}">
+                <a16:creationId xmlns:a16="http://schemas.microsoft.com/office/drawing/2014/main" xmlns="" id="{924A0832-0D9E-498C-8AE9-4A7D7A2DE0C3}"/>
               </a:ext>
             </a:extLst>
           </p:cNvPr>
@@ -4095,7 +5322,7 @@
               <p:cNvPr id="3" name="Content Placeholder 2">
                 <a:extLst>
                   <a:ext uri="{FF2B5EF4-FFF2-40B4-BE49-F238E27FC236}">
-                    <a16:creationId xmlns:a16="http://schemas.microsoft.com/office/drawing/2014/main" id="{CBAC033E-BD92-499D-BE68-D8F9383314D6}"/>
+                    <a16:creationId xmlns:a16="http://schemas.microsoft.com/office/drawing/2014/main" xmlns="" id="{CBAC033E-BD92-499D-BE68-D8F9383314D6}"/>
                   </a:ext>
                 </a:extLst>
               </p:cNvPr>
@@ -4113,7 +5340,9 @@
               </a:xfrm>
             </p:spPr>
             <p:txBody>
-              <a:bodyPr/>
+              <a:bodyPr>
+                <a:normAutofit/>
+              </a:bodyPr>
               <a:lstStyle/>
               <a:p>
                 <a:r>
@@ -4159,19 +5388,11 @@
                   </m:oMath>
                 </a14:m>
                 <a:r>
-                  <a:rPr lang="en-US" dirty="0"/>
+                  <a:rPr lang="en-US" dirty="0" smtClean="0"/>
                   <a:t>)</a:t>
                 </a:r>
               </a:p>
               <a:p>
-                <a:pPr lvl="1"/>
-                <a:r>
-                  <a:rPr lang="en-US" dirty="0"/>
-                  <a:t>Probability a site would participate in an RCT if approached by recruiters</a:t>
-                </a:r>
-              </a:p>
-              <a:p>
-                <a:pPr lvl="1"/>
                 <a:endParaRPr lang="en-US" dirty="0"/>
               </a:p>
               <a:p>
@@ -4335,13 +5556,6 @@
                 <a:pPr lvl="1"/>
                 <a:endParaRPr lang="en-US" dirty="0"/>
               </a:p>
-              <a:p>
-                <a:pPr lvl="1"/>
-                <a:r>
-                  <a:rPr lang="en-US" dirty="0"/>
-                  <a:t>Parameters were selected to mimic sample characteristics reported by Fellers (2017)</a:t>
-                </a:r>
-              </a:p>
             </p:txBody>
           </p:sp>
         </mc:Choice>
@@ -4351,7 +5565,7 @@
               <p:cNvPr id="3" name="Content Placeholder 2">
                 <a:extLst>
                   <a:ext uri="{FF2B5EF4-FFF2-40B4-BE49-F238E27FC236}">
-                    <a16:creationId xmlns:a16="http://schemas.microsoft.com/office/drawing/2014/main" id="{CBAC033E-BD92-499D-BE68-D8F9383314D6}"/>
+                    <a16:creationId xmlns:a16="http://schemas.microsoft.com/office/drawing/2014/main" xmlns:a14="http://schemas.microsoft.com/office/drawing/2010/main" xmlns="" id="{CBAC033E-BD92-499D-BE68-D8F9383314D6}"/>
                   </a:ext>
                 </a:extLst>
               </p:cNvPr>
@@ -4367,10 +5581,10 @@
                 <a:off x="838200" y="1834503"/>
                 <a:ext cx="10515600" cy="4351338"/>
               </a:xfrm>
-              <a:blipFill>
+              <a:blipFill rotWithShape="0">
                 <a:blip r:embed="rId3"/>
                 <a:stretch>
-                  <a:fillRect l="-1043" t="-1681" r="-522"/>
+                  <a:fillRect l="-1043" t="-1681"/>
                 </a:stretch>
               </a:blipFill>
             </p:spPr>
@@ -4393,6 +5607,346 @@
     <p:extLst>
       <p:ext uri="{BB962C8B-B14F-4D97-AF65-F5344CB8AC3E}">
         <p14:creationId xmlns:p14="http://schemas.microsoft.com/office/powerpoint/2010/main" val="2499406773"/>
+      </p:ext>
+    </p:extLst>
+  </p:cSld>
+  <p:clrMapOvr>
+    <a:masterClrMapping/>
+  </p:clrMapOvr>
+</p:sld>
+</file>
+
+<file path=ppt/slides/slide7.xml><?xml version="1.0" encoding="utf-8"?>
+<p:sld xmlns:a="http://schemas.openxmlformats.org/drawingml/2006/main" xmlns:r="http://schemas.openxmlformats.org/officeDocument/2006/relationships" xmlns:p="http://schemas.openxmlformats.org/presentationml/2006/main">
+  <p:cSld>
+    <p:spTree>
+      <p:nvGrpSpPr>
+        <p:cNvPr id="1" name=""/>
+        <p:cNvGrpSpPr/>
+        <p:nvPr/>
+      </p:nvGrpSpPr>
+      <p:grpSpPr>
+        <a:xfrm>
+          <a:off x="0" y="0"/>
+          <a:ext cx="0" cy="0"/>
+          <a:chOff x="0" y="0"/>
+          <a:chExt cx="0" cy="0"/>
+        </a:xfrm>
+      </p:grpSpPr>
+      <p:sp>
+        <p:nvSpPr>
+          <p:cNvPr id="2" name="Title 1"/>
+          <p:cNvSpPr>
+            <a:spLocks noGrp="1"/>
+          </p:cNvSpPr>
+          <p:nvPr>
+            <p:ph type="title"/>
+          </p:nvPr>
+        </p:nvSpPr>
+        <p:spPr/>
+        <p:txBody>
+          <a:bodyPr/>
+          <a:lstStyle/>
+          <a:p>
+            <a:r>
+              <a:rPr lang="en-US" dirty="0" smtClean="0"/>
+              <a:t>Participation Model</a:t>
+            </a:r>
+            <a:endParaRPr lang="en-US" dirty="0"/>
+          </a:p>
+        </p:txBody>
+      </p:sp>
+      <p:sp>
+        <p:nvSpPr>
+          <p:cNvPr id="3" name="Content Placeholder 2"/>
+          <p:cNvSpPr>
+            <a:spLocks noGrp="1"/>
+          </p:cNvSpPr>
+          <p:nvPr>
+            <p:ph idx="1"/>
+          </p:nvPr>
+        </p:nvSpPr>
+        <p:spPr/>
+        <p:txBody>
+          <a:bodyPr>
+            <a:normAutofit lnSpcReduction="10000"/>
+          </a:bodyPr>
+          <a:lstStyle/>
+          <a:p>
+            <a:r>
+              <a:rPr lang="en-US" dirty="0" smtClean="0"/>
+              <a:t>Covariates</a:t>
+            </a:r>
+          </a:p>
+          <a:p>
+            <a:pPr lvl="1"/>
+            <a:r>
+              <a:rPr lang="en-US" dirty="0" smtClean="0"/>
+              <a:t>School locale indicators</a:t>
+            </a:r>
+          </a:p>
+          <a:p>
+            <a:pPr lvl="2"/>
+            <a:r>
+              <a:rPr lang="en-US" dirty="0" smtClean="0"/>
+              <a:t>Urban</a:t>
+            </a:r>
+          </a:p>
+          <a:p>
+            <a:pPr lvl="2"/>
+            <a:r>
+              <a:rPr lang="en-US" dirty="0" smtClean="0"/>
+              <a:t>Suburban</a:t>
+            </a:r>
+          </a:p>
+          <a:p>
+            <a:pPr lvl="2"/>
+            <a:r>
+              <a:rPr lang="en-US" dirty="0" smtClean="0"/>
+              <a:t>Town/Rural (</a:t>
+            </a:r>
+            <a:r>
+              <a:rPr lang="en-US" dirty="0" err="1" smtClean="0"/>
+              <a:t>ToRu</a:t>
+            </a:r>
+            <a:r>
+              <a:rPr lang="en-US" dirty="0" smtClean="0"/>
+              <a:t>)</a:t>
+            </a:r>
+          </a:p>
+          <a:p>
+            <a:pPr lvl="1"/>
+            <a:r>
+              <a:rPr lang="en-US" dirty="0" smtClean="0"/>
+              <a:t>Student demographics</a:t>
+            </a:r>
+            <a:endParaRPr lang="en-US" dirty="0"/>
+          </a:p>
+          <a:p>
+            <a:pPr lvl="2"/>
+            <a:r>
+              <a:rPr lang="en-US" dirty="0"/>
+              <a:t>% English language learners (ELL)</a:t>
+            </a:r>
+          </a:p>
+          <a:p>
+            <a:pPr lvl="2"/>
+            <a:r>
+              <a:rPr lang="en-US" dirty="0"/>
+              <a:t>% </a:t>
+            </a:r>
+            <a:r>
+              <a:rPr lang="en-US" dirty="0" smtClean="0"/>
+              <a:t>economically </a:t>
+            </a:r>
+            <a:r>
+              <a:rPr lang="en-US" dirty="0"/>
+              <a:t>disadvantaged students (ED)</a:t>
+            </a:r>
+          </a:p>
+          <a:p>
+            <a:pPr lvl="2"/>
+            <a:r>
+              <a:rPr lang="en-US" dirty="0"/>
+              <a:t>% </a:t>
+            </a:r>
+            <a:r>
+              <a:rPr lang="en-US" dirty="0" smtClean="0"/>
+              <a:t>students </a:t>
+            </a:r>
+            <a:r>
+              <a:rPr lang="en-US" dirty="0"/>
+              <a:t>identified as minority (Min)</a:t>
+            </a:r>
+          </a:p>
+          <a:p>
+            <a:pPr lvl="1"/>
+            <a:r>
+              <a:rPr lang="en-US" dirty="0" smtClean="0"/>
+              <a:t>Student academic achievement</a:t>
+            </a:r>
+          </a:p>
+          <a:p>
+            <a:pPr lvl="2"/>
+            <a:r>
+              <a:rPr lang="en-US" dirty="0" smtClean="0"/>
+              <a:t>% of students proficient or better in Math</a:t>
+            </a:r>
+          </a:p>
+          <a:p>
+            <a:pPr lvl="2"/>
+            <a:r>
+              <a:rPr lang="en-US" dirty="0" smtClean="0"/>
+              <a:t>% of students proficient or better in ELA</a:t>
+            </a:r>
+            <a:endParaRPr lang="en-US" dirty="0"/>
+          </a:p>
+          <a:p>
+            <a:pPr lvl="1"/>
+            <a:endParaRPr lang="en-US" dirty="0"/>
+          </a:p>
+        </p:txBody>
+      </p:sp>
+    </p:spTree>
+    <p:extLst>
+      <p:ext uri="{BB962C8B-B14F-4D97-AF65-F5344CB8AC3E}">
+        <p14:creationId xmlns:p14="http://schemas.microsoft.com/office/powerpoint/2010/main" val="207781452"/>
+      </p:ext>
+    </p:extLst>
+  </p:cSld>
+  <p:clrMapOvr>
+    <a:masterClrMapping/>
+  </p:clrMapOvr>
+</p:sld>
+</file>
+
+<file path=ppt/slides/slide8.xml><?xml version="1.0" encoding="utf-8"?>
+<p:sld xmlns:a="http://schemas.openxmlformats.org/drawingml/2006/main" xmlns:r="http://schemas.openxmlformats.org/officeDocument/2006/relationships" xmlns:p="http://schemas.openxmlformats.org/presentationml/2006/main">
+  <p:cSld>
+    <p:spTree>
+      <p:nvGrpSpPr>
+        <p:cNvPr id="1" name=""/>
+        <p:cNvGrpSpPr/>
+        <p:nvPr/>
+      </p:nvGrpSpPr>
+      <p:grpSpPr>
+        <a:xfrm>
+          <a:off x="0" y="0"/>
+          <a:ext cx="0" cy="0"/>
+          <a:chOff x="0" y="0"/>
+          <a:chExt cx="0" cy="0"/>
+        </a:xfrm>
+      </p:grpSpPr>
+      <p:sp>
+        <p:nvSpPr>
+          <p:cNvPr id="2" name="Title 1"/>
+          <p:cNvSpPr>
+            <a:spLocks noGrp="1"/>
+          </p:cNvSpPr>
+          <p:nvPr>
+            <p:ph type="title"/>
+          </p:nvPr>
+        </p:nvSpPr>
+        <p:spPr/>
+        <p:txBody>
+          <a:bodyPr/>
+          <a:lstStyle/>
+          <a:p>
+            <a:endParaRPr lang="en-US"/>
+          </a:p>
+        </p:txBody>
+      </p:sp>
+      <p:sp>
+        <p:nvSpPr>
+          <p:cNvPr id="3" name="Content Placeholder 2"/>
+          <p:cNvSpPr>
+            <a:spLocks noGrp="1"/>
+          </p:cNvSpPr>
+          <p:nvPr>
+            <p:ph idx="1"/>
+          </p:nvPr>
+        </p:nvSpPr>
+        <p:spPr/>
+        <p:txBody>
+          <a:bodyPr/>
+          <a:lstStyle/>
+          <a:p>
+            <a:r>
+              <a:rPr lang="en-US" dirty="0"/>
+              <a:t>Parameters were selected to mimic sample characteristics reported by Fellers (2017)</a:t>
+            </a:r>
+          </a:p>
+          <a:p>
+            <a:r>
+              <a:rPr lang="en-US" dirty="0" smtClean="0"/>
+              <a:t>Par</a:t>
+            </a:r>
+            <a:endParaRPr lang="en-US" dirty="0"/>
+          </a:p>
+        </p:txBody>
+      </p:sp>
+    </p:spTree>
+    <p:extLst>
+      <p:ext uri="{BB962C8B-B14F-4D97-AF65-F5344CB8AC3E}">
+        <p14:creationId xmlns:p14="http://schemas.microsoft.com/office/powerpoint/2010/main" val="4003924261"/>
+      </p:ext>
+    </p:extLst>
+  </p:cSld>
+  <p:clrMapOvr>
+    <a:masterClrMapping/>
+  </p:clrMapOvr>
+</p:sld>
+</file>
+
+<file path=ppt/slides/slide9.xml><?xml version="1.0" encoding="utf-8"?>
+<p:sld xmlns:a="http://schemas.openxmlformats.org/drawingml/2006/main" xmlns:r="http://schemas.openxmlformats.org/officeDocument/2006/relationships" xmlns:p="http://schemas.openxmlformats.org/presentationml/2006/main">
+  <p:cSld>
+    <p:spTree>
+      <p:nvGrpSpPr>
+        <p:cNvPr id="1" name=""/>
+        <p:cNvGrpSpPr/>
+        <p:nvPr/>
+      </p:nvGrpSpPr>
+      <p:grpSpPr>
+        <a:xfrm>
+          <a:off x="0" y="0"/>
+          <a:ext cx="0" cy="0"/>
+          <a:chOff x="0" y="0"/>
+          <a:chExt cx="0" cy="0"/>
+        </a:xfrm>
+      </p:grpSpPr>
+      <p:sp>
+        <p:nvSpPr>
+          <p:cNvPr id="2" name="Title 1"/>
+          <p:cNvSpPr>
+            <a:spLocks noGrp="1"/>
+          </p:cNvSpPr>
+          <p:nvPr>
+            <p:ph type="title"/>
+          </p:nvPr>
+        </p:nvSpPr>
+        <p:spPr/>
+        <p:txBody>
+          <a:bodyPr/>
+          <a:lstStyle/>
+          <a:p>
+            <a:endParaRPr lang="en-US" dirty="0"/>
+          </a:p>
+        </p:txBody>
+      </p:sp>
+      <p:pic>
+        <p:nvPicPr>
+          <p:cNvPr id="4" name="Content Placeholder 3"/>
+          <p:cNvPicPr>
+            <a:picLocks noGrp="1" noChangeAspect="1"/>
+          </p:cNvPicPr>
+          <p:nvPr>
+            <p:ph idx="1"/>
+          </p:nvPr>
+        </p:nvPicPr>
+        <p:blipFill>
+          <a:blip r:embed="rId2" cstate="print">
+            <a:extLst>
+              <a:ext uri="{28A0092B-C50C-407E-A947-70E740481C1C}">
+                <a14:useLocalDpi xmlns:a14="http://schemas.microsoft.com/office/drawing/2010/main" val="0"/>
+              </a:ext>
+            </a:extLst>
+          </a:blip>
+          <a:stretch>
+            <a:fillRect/>
+          </a:stretch>
+        </p:blipFill>
+        <p:spPr>
+          <a:xfrm>
+            <a:off x="2469885" y="1825625"/>
+            <a:ext cx="7252230" cy="4351338"/>
+          </a:xfrm>
+        </p:spPr>
+      </p:pic>
+    </p:spTree>
+    <p:extLst>
+      <p:ext uri="{BB962C8B-B14F-4D97-AF65-F5344CB8AC3E}">
+        <p14:creationId xmlns:p14="http://schemas.microsoft.com/office/powerpoint/2010/main" val="4245902933"/>
       </p:ext>
     </p:extLst>
   </p:cSld>
